--- a/DB_PPT/3장. select_join.pptx
+++ b/DB_PPT/3장. select_join.pptx
@@ -5,7 +5,7 @@
     <p:sldMasterId id="2147483648" r:id="rId1"/>
   </p:sldMasterIdLst>
   <p:notesMasterIdLst>
-    <p:notesMasterId r:id="rId26"/>
+    <p:notesMasterId r:id="rId30"/>
   </p:notesMasterIdLst>
   <p:sldIdLst>
     <p:sldId id="256" r:id="rId2"/>
@@ -32,6 +32,10 @@
     <p:sldId id="364" r:id="rId23"/>
     <p:sldId id="366" r:id="rId24"/>
     <p:sldId id="365" r:id="rId25"/>
+    <p:sldId id="371" r:id="rId26"/>
+    <p:sldId id="372" r:id="rId27"/>
+    <p:sldId id="373" r:id="rId28"/>
+    <p:sldId id="374" r:id="rId29"/>
   </p:sldIdLst>
   <p:sldSz cx="9144000" cy="6858000" type="screen4x3"/>
   <p:notesSz cx="6858000" cy="9144000"/>
@@ -231,7 +235,7 @@
           <a:p>
             <a:fld id="{7665CDAC-D627-4E87-877A-1B781DD4CADC}" type="datetimeFigureOut">
               <a:rPr lang="ko-KR" altLang="en-US" smtClean="0"/>
-              <a:t>2023-03-13</a:t>
+              <a:t>2023-03-26</a:t>
             </a:fld>
             <a:endParaRPr lang="ko-KR" altLang="en-US"/>
           </a:p>
@@ -1087,7 +1091,7 @@
           <a:p>
             <a:fld id="{E240FE80-3752-4C44-80B8-E31C3450070D}" type="datetime1">
               <a:rPr lang="ko-KR" altLang="en-US" smtClean="0"/>
-              <a:t>2023-03-13</a:t>
+              <a:t>2023-03-26</a:t>
             </a:fld>
             <a:endParaRPr lang="ko-KR" altLang="en-US"/>
           </a:p>
@@ -1267,7 +1271,7 @@
           <a:p>
             <a:fld id="{5FA88D13-428F-4553-BC93-2E91B1DA3F5C}" type="datetime1">
               <a:rPr lang="ko-KR" altLang="en-US" smtClean="0"/>
-              <a:t>2023-03-13</a:t>
+              <a:t>2023-03-26</a:t>
             </a:fld>
             <a:endParaRPr lang="ko-KR" altLang="en-US"/>
           </a:p>
@@ -1441,7 +1445,7 @@
           <a:p>
             <a:fld id="{4E9D4779-FB94-4D0A-9770-16BB460ADD4B}" type="datetime1">
               <a:rPr lang="ko-KR" altLang="en-US" smtClean="0"/>
-              <a:t>2023-03-13</a:t>
+              <a:t>2023-03-26</a:t>
             </a:fld>
             <a:endParaRPr lang="ko-KR" altLang="en-US"/>
           </a:p>
@@ -1687,7 +1691,7 @@
           <a:p>
             <a:fld id="{DD687F0D-089E-4098-8EE9-5721C76E52EC}" type="datetime1">
               <a:rPr lang="ko-KR" altLang="en-US" smtClean="0"/>
-              <a:t>2023-03-13</a:t>
+              <a:t>2023-03-26</a:t>
             </a:fld>
             <a:endParaRPr lang="ko-KR" altLang="en-US"/>
           </a:p>
@@ -1975,7 +1979,7 @@
           <a:p>
             <a:fld id="{09C650FE-E6B2-4D57-AAF6-1B2A37421AAD}" type="datetime1">
               <a:rPr lang="ko-KR" altLang="en-US" smtClean="0"/>
-              <a:t>2023-03-13</a:t>
+              <a:t>2023-03-26</a:t>
             </a:fld>
             <a:endParaRPr lang="ko-KR" altLang="en-US"/>
           </a:p>
@@ -2397,7 +2401,7 @@
           <a:p>
             <a:fld id="{E87F20C2-C949-4E4F-9580-FEE4F2DAC554}" type="datetime1">
               <a:rPr lang="ko-KR" altLang="en-US" smtClean="0"/>
-              <a:t>2023-03-13</a:t>
+              <a:t>2023-03-26</a:t>
             </a:fld>
             <a:endParaRPr lang="ko-KR" altLang="en-US"/>
           </a:p>
@@ -2515,7 +2519,7 @@
           <a:p>
             <a:fld id="{476DBFE0-70CA-4AA9-9C17-F02054822E7E}" type="datetime1">
               <a:rPr lang="ko-KR" altLang="en-US" smtClean="0"/>
-              <a:t>2023-03-13</a:t>
+              <a:t>2023-03-26</a:t>
             </a:fld>
             <a:endParaRPr lang="ko-KR" altLang="en-US"/>
           </a:p>
@@ -2610,7 +2614,7 @@
           <a:p>
             <a:fld id="{6DA84A72-C6AC-45C3-AE5A-9CF6D245353A}" type="datetime1">
               <a:rPr lang="ko-KR" altLang="en-US" smtClean="0"/>
-              <a:t>2023-03-13</a:t>
+              <a:t>2023-03-26</a:t>
             </a:fld>
             <a:endParaRPr lang="ko-KR" altLang="en-US"/>
           </a:p>
@@ -2887,7 +2891,7 @@
           <a:p>
             <a:fld id="{092D9E8D-7616-4FA8-9B12-88059974D499}" type="datetime1">
               <a:rPr lang="ko-KR" altLang="en-US" smtClean="0"/>
-              <a:t>2023-03-13</a:t>
+              <a:t>2023-03-26</a:t>
             </a:fld>
             <a:endParaRPr lang="ko-KR" altLang="en-US"/>
           </a:p>
@@ -3140,7 +3144,7 @@
           <a:p>
             <a:fld id="{79F4C3F6-B4DC-4E51-8609-BCC628ECDBF3}" type="datetime1">
               <a:rPr lang="ko-KR" altLang="en-US" smtClean="0"/>
-              <a:t>2023-03-13</a:t>
+              <a:t>2023-03-26</a:t>
             </a:fld>
             <a:endParaRPr lang="ko-KR" altLang="en-US"/>
           </a:p>
@@ -3320,7 +3324,7 @@
           <a:p>
             <a:fld id="{B2C4C586-F21B-48DD-B591-4B12E73E0749}" type="datetime1">
               <a:rPr lang="ko-KR" altLang="en-US" smtClean="0"/>
-              <a:t>2023-03-13</a:t>
+              <a:t>2023-03-26</a:t>
             </a:fld>
             <a:endParaRPr lang="ko-KR" altLang="en-US"/>
           </a:p>
@@ -8518,7 +8522,6 @@
               <a:rPr lang="en-US" altLang="ko-KR" b="1" dirty="0" smtClean="0"/>
               <a:t>)</a:t>
             </a:r>
-            <a:endParaRPr lang="en-US" altLang="ko-KR" b="1" dirty="0" smtClean="0"/>
           </a:p>
         </p:txBody>
       </p:sp>
@@ -9510,7 +9513,6 @@
               <a:rPr lang="en-US" altLang="ko-KR" b="1" dirty="0" smtClean="0"/>
               <a:t>OUTER JOIN</a:t>
             </a:r>
-            <a:endParaRPr lang="en-US" altLang="ko-KR" b="1" dirty="0" smtClean="0"/>
           </a:p>
           <a:p>
             <a:pPr>
@@ -11130,6 +11132,2094 @@
     <p:extLst>
       <p:ext uri="{BB962C8B-B14F-4D97-AF65-F5344CB8AC3E}">
         <p14:creationId xmlns:p14="http://schemas.microsoft.com/office/powerpoint/2010/main" val="4114599042"/>
+      </p:ext>
+    </p:extLst>
+  </p:cSld>
+  <p:clrMapOvr>
+    <a:masterClrMapping/>
+  </p:clrMapOvr>
+  <p:timing>
+    <p:tnLst>
+      <p:par>
+        <p:cTn id="1" dur="indefinite" restart="never" nodeType="tmRoot"/>
+      </p:par>
+    </p:tnLst>
+  </p:timing>
+</p:sld>
+</file>
+
+<file path=ppt/slides/slide25.xml><?xml version="1.0" encoding="utf-8"?>
+<p:sld xmlns:a="http://schemas.openxmlformats.org/drawingml/2006/main" xmlns:r="http://schemas.openxmlformats.org/officeDocument/2006/relationships" xmlns:p="http://schemas.openxmlformats.org/presentationml/2006/main">
+  <p:cSld>
+    <p:spTree>
+      <p:nvGrpSpPr>
+        <p:cNvPr id="1" name=""/>
+        <p:cNvGrpSpPr/>
+        <p:nvPr/>
+      </p:nvGrpSpPr>
+      <p:grpSpPr>
+        <a:xfrm>
+          <a:off x="0" y="0"/>
+          <a:ext cx="0" cy="0"/>
+          <a:chOff x="0" y="0"/>
+          <a:chExt cx="0" cy="0"/>
+        </a:xfrm>
+      </p:grpSpPr>
+      <p:sp>
+        <p:nvSpPr>
+          <p:cNvPr id="2" name="제목 1"/>
+          <p:cNvSpPr>
+            <a:spLocks noGrp="1"/>
+          </p:cNvSpPr>
+          <p:nvPr>
+            <p:ph type="title"/>
+          </p:nvPr>
+        </p:nvSpPr>
+        <p:spPr>
+          <a:xfrm>
+            <a:off x="68912" y="-9940"/>
+            <a:ext cx="3993307" cy="854968"/>
+          </a:xfrm>
+        </p:spPr>
+        <p:txBody>
+          <a:bodyPr/>
+          <a:lstStyle/>
+          <a:p>
+            <a:r>
+              <a:rPr lang="en-US" altLang="ko-KR" dirty="0" smtClean="0"/>
+              <a:t> </a:t>
+            </a:r>
+            <a:r>
+              <a:rPr lang="ko-KR" altLang="en-US" dirty="0" smtClean="0"/>
+              <a:t>관계</a:t>
+            </a:r>
+            <a:r>
+              <a:rPr lang="en-US" altLang="ko-KR" dirty="0" smtClean="0"/>
+              <a:t>(</a:t>
+            </a:r>
+            <a:r>
+              <a:rPr lang="en-US" altLang="ko-KR" dirty="0" err="1" smtClean="0"/>
+              <a:t>Releation</a:t>
+            </a:r>
+            <a:r>
+              <a:rPr lang="en-US" altLang="ko-KR" dirty="0" smtClean="0"/>
+              <a:t>)</a:t>
+            </a:r>
+            <a:endParaRPr lang="ko-KR" altLang="en-US" dirty="0"/>
+          </a:p>
+        </p:txBody>
+      </p:sp>
+      <p:sp>
+        <p:nvSpPr>
+          <p:cNvPr id="4" name="슬라이드 번호 개체 틀 3"/>
+          <p:cNvSpPr>
+            <a:spLocks noGrp="1"/>
+          </p:cNvSpPr>
+          <p:nvPr>
+            <p:ph type="sldNum" sz="quarter" idx="12"/>
+          </p:nvPr>
+        </p:nvSpPr>
+        <p:spPr/>
+        <p:txBody>
+          <a:bodyPr/>
+          <a:lstStyle/>
+          <a:p>
+            <a:fld id="{1BDE3FE7-3AEA-4B05-AC5A-802D1816ACF0}" type="slidenum">
+              <a:rPr lang="ko-KR" altLang="en-US" smtClean="0"/>
+              <a:t>25</a:t>
+            </a:fld>
+            <a:endParaRPr lang="ko-KR" altLang="en-US"/>
+          </a:p>
+        </p:txBody>
+      </p:sp>
+      <p:sp>
+        <p:nvSpPr>
+          <p:cNvPr id="6" name="TextBox 5"/>
+          <p:cNvSpPr txBox="1"/>
+          <p:nvPr/>
+        </p:nvSpPr>
+        <p:spPr>
+          <a:xfrm>
+            <a:off x="611560" y="1124744"/>
+            <a:ext cx="8064896" cy="923330"/>
+          </a:xfrm>
+          <a:prstGeom prst="rect">
+            <a:avLst/>
+          </a:prstGeom>
+          <a:noFill/>
+        </p:spPr>
+        <p:txBody>
+          <a:bodyPr wrap="square" rtlCol="0">
+            <a:spAutoFit/>
+          </a:bodyPr>
+          <a:lstStyle/>
+          <a:p>
+            <a:pPr>
+              <a:lnSpc>
+                <a:spcPct val="150000"/>
+              </a:lnSpc>
+            </a:pPr>
+            <a:r>
+              <a:rPr lang="ko-KR" altLang="en-US" dirty="0" smtClean="0">
+                <a:solidFill>
+                  <a:srgbClr val="C00000"/>
+                </a:solidFill>
+              </a:rPr>
+              <a:t>   </a:t>
+            </a:r>
+            <a:r>
+              <a:rPr lang="ko-KR" altLang="en-US" b="1" dirty="0" err="1" smtClean="0">
+                <a:solidFill>
+                  <a:srgbClr val="C00000"/>
+                </a:solidFill>
+              </a:rPr>
+              <a:t>외래키</a:t>
+            </a:r>
+            <a:r>
+              <a:rPr lang="en-US" altLang="ko-KR" b="1" dirty="0" smtClean="0">
+                <a:solidFill>
+                  <a:srgbClr val="C00000"/>
+                </a:solidFill>
+              </a:rPr>
+              <a:t>(FK : Foreign Key)</a:t>
+            </a:r>
+          </a:p>
+          <a:p>
+            <a:pPr>
+              <a:lnSpc>
+                <a:spcPct val="150000"/>
+              </a:lnSpc>
+            </a:pPr>
+            <a:r>
+              <a:rPr lang="en-US" altLang="ko-KR" dirty="0">
+                <a:solidFill>
+                  <a:srgbClr val="C00000"/>
+                </a:solidFill>
+              </a:rPr>
+              <a:t> </a:t>
+            </a:r>
+            <a:r>
+              <a:rPr lang="en-US" altLang="ko-KR" dirty="0" smtClean="0">
+                <a:solidFill>
+                  <a:srgbClr val="C00000"/>
+                </a:solidFill>
+              </a:rPr>
+              <a:t>   </a:t>
+            </a:r>
+            <a:r>
+              <a:rPr lang="en-US" altLang="ko-KR" dirty="0" smtClean="0"/>
+              <a:t>- </a:t>
+            </a:r>
+            <a:r>
+              <a:rPr lang="ko-KR" altLang="en-US" dirty="0" smtClean="0"/>
+              <a:t>특정 테이블에 포함되어 있으면서 다른 테이블의 </a:t>
+            </a:r>
+            <a:r>
+              <a:rPr lang="ko-KR" altLang="en-US" dirty="0" err="1" smtClean="0"/>
+              <a:t>기본키로</a:t>
+            </a:r>
+            <a:r>
+              <a:rPr lang="ko-KR" altLang="en-US" dirty="0" smtClean="0"/>
+              <a:t> 지정된 키</a:t>
+            </a:r>
+            <a:endParaRPr lang="en-US" altLang="ko-KR" dirty="0" smtClean="0"/>
+          </a:p>
+        </p:txBody>
+      </p:sp>
+      <p:graphicFrame>
+        <p:nvGraphicFramePr>
+          <p:cNvPr id="5" name="내용 개체 틀 4"/>
+          <p:cNvGraphicFramePr>
+            <a:graphicFrameLocks/>
+          </p:cNvGraphicFramePr>
+          <p:nvPr>
+            <p:extLst/>
+          </p:nvPr>
+        </p:nvGraphicFramePr>
+        <p:xfrm>
+          <a:off x="2062798" y="4192488"/>
+          <a:ext cx="4640520" cy="1818640"/>
+        </p:xfrm>
+        <a:graphic>
+          <a:graphicData uri="http://schemas.openxmlformats.org/drawingml/2006/table">
+            <a:tbl>
+              <a:tblPr firstRow="1">
+                <a:tableStyleId>{5C22544A-7EE6-4342-B048-85BDC9FD1C3A}</a:tableStyleId>
+              </a:tblPr>
+              <a:tblGrid>
+                <a:gridCol w="1080122">
+                  <a:extLst>
+                    <a:ext uri="{9D8B030D-6E8A-4147-A177-3AD203B41FA5}">
+                      <a16:colId xmlns:a16="http://schemas.microsoft.com/office/drawing/2014/main" val="20000"/>
+                    </a:ext>
+                  </a:extLst>
+                </a:gridCol>
+                <a:gridCol w="1152128">
+                  <a:extLst>
+                    <a:ext uri="{9D8B030D-6E8A-4147-A177-3AD203B41FA5}">
+                      <a16:colId xmlns:a16="http://schemas.microsoft.com/office/drawing/2014/main" val="20001"/>
+                    </a:ext>
+                  </a:extLst>
+                </a:gridCol>
+                <a:gridCol w="1204135">
+                  <a:extLst>
+                    <a:ext uri="{9D8B030D-6E8A-4147-A177-3AD203B41FA5}">
+                      <a16:colId xmlns:a16="http://schemas.microsoft.com/office/drawing/2014/main" val="20003"/>
+                    </a:ext>
+                  </a:extLst>
+                </a:gridCol>
+                <a:gridCol w="1204135">
+                  <a:extLst>
+                    <a:ext uri="{9D8B030D-6E8A-4147-A177-3AD203B41FA5}">
+                      <a16:colId xmlns:a16="http://schemas.microsoft.com/office/drawing/2014/main" val="20004"/>
+                    </a:ext>
+                  </a:extLst>
+                </a:gridCol>
+              </a:tblGrid>
+              <a:tr h="0">
+                <a:tc>
+                  <a:txBody>
+                    <a:bodyPr/>
+                    <a:lstStyle/>
+                    <a:p>
+                      <a:pPr algn="ctr" latinLnBrk="1"/>
+                      <a:r>
+                        <a:rPr lang="ko-KR" altLang="en-US" sz="1600" dirty="0" smtClean="0"/>
+                        <a:t>사원 번호</a:t>
+                      </a:r>
+                      <a:endParaRPr lang="ko-KR" altLang="en-US" sz="1600" dirty="0"/>
+                    </a:p>
+                  </a:txBody>
+                  <a:tcPr anchor="ctr"/>
+                </a:tc>
+                <a:tc>
+                  <a:txBody>
+                    <a:bodyPr/>
+                    <a:lstStyle/>
+                    <a:p>
+                      <a:pPr algn="ctr" latinLnBrk="1"/>
+                      <a:r>
+                        <a:rPr lang="ko-KR" altLang="en-US" sz="1600" dirty="0" smtClean="0"/>
+                        <a:t>사원 이름</a:t>
+                      </a:r>
+                      <a:endParaRPr lang="ko-KR" altLang="en-US" sz="1600" dirty="0"/>
+                    </a:p>
+                  </a:txBody>
+                  <a:tcPr anchor="ctr"/>
+                </a:tc>
+                <a:tc>
+                  <a:txBody>
+                    <a:bodyPr/>
+                    <a:lstStyle/>
+                    <a:p>
+                      <a:pPr algn="ctr" latinLnBrk="1"/>
+                      <a:r>
+                        <a:rPr lang="ko-KR" altLang="en-US" sz="1600" dirty="0" smtClean="0"/>
+                        <a:t>나이</a:t>
+                      </a:r>
+                      <a:endParaRPr lang="ko-KR" altLang="en-US" sz="1600" dirty="0"/>
+                    </a:p>
+                  </a:txBody>
+                  <a:tcPr anchor="ctr"/>
+                </a:tc>
+                <a:tc>
+                  <a:txBody>
+                    <a:bodyPr/>
+                    <a:lstStyle/>
+                    <a:p>
+                      <a:pPr algn="ctr" latinLnBrk="1"/>
+                      <a:r>
+                        <a:rPr lang="ko-KR" altLang="en-US" sz="1600" dirty="0" smtClean="0"/>
+                        <a:t>부서코드</a:t>
+                      </a:r>
+                      <a:endParaRPr lang="ko-KR" altLang="en-US" sz="1600" dirty="0"/>
+                    </a:p>
+                  </a:txBody>
+                  <a:tcPr anchor="ctr"/>
+                </a:tc>
+                <a:extLst>
+                  <a:ext uri="{0D108BD9-81ED-4DB2-BD59-A6C34878D82A}">
+                    <a16:rowId xmlns:a16="http://schemas.microsoft.com/office/drawing/2014/main" val="10000"/>
+                  </a:ext>
+                </a:extLst>
+              </a:tr>
+              <a:tr h="370840">
+                <a:tc>
+                  <a:txBody>
+                    <a:bodyPr/>
+                    <a:lstStyle/>
+                    <a:p>
+                      <a:pPr algn="ctr" latinLnBrk="1"/>
+                      <a:r>
+                        <a:rPr lang="en-US" altLang="ko-KR" sz="1600" dirty="0" smtClean="0"/>
+                        <a:t>501</a:t>
+                      </a:r>
+                      <a:endParaRPr lang="ko-KR" altLang="en-US" sz="1600" dirty="0"/>
+                    </a:p>
+                  </a:txBody>
+                  <a:tcPr anchor="ctr"/>
+                </a:tc>
+                <a:tc>
+                  <a:txBody>
+                    <a:bodyPr/>
+                    <a:lstStyle/>
+                    <a:p>
+                      <a:pPr algn="ctr" latinLnBrk="1"/>
+                      <a:r>
+                        <a:rPr lang="ko-KR" altLang="en-US" sz="1600" dirty="0" err="1" smtClean="0"/>
+                        <a:t>이강</a:t>
+                      </a:r>
+                      <a:endParaRPr lang="ko-KR" altLang="en-US" sz="1600" dirty="0"/>
+                    </a:p>
+                  </a:txBody>
+                  <a:tcPr anchor="ctr"/>
+                </a:tc>
+                <a:tc>
+                  <a:txBody>
+                    <a:bodyPr/>
+                    <a:lstStyle/>
+                    <a:p>
+                      <a:pPr algn="ctr" latinLnBrk="1"/>
+                      <a:r>
+                        <a:rPr lang="en-US" altLang="ko-KR" sz="1600" dirty="0" smtClean="0"/>
+                        <a:t>23</a:t>
+                      </a:r>
+                      <a:endParaRPr lang="ko-KR" altLang="en-US" sz="1600" dirty="0"/>
+                    </a:p>
+                  </a:txBody>
+                  <a:tcPr anchor="ctr"/>
+                </a:tc>
+                <a:tc>
+                  <a:txBody>
+                    <a:bodyPr/>
+                    <a:lstStyle/>
+                    <a:p>
+                      <a:pPr algn="ctr" latinLnBrk="1"/>
+                      <a:r>
+                        <a:rPr lang="en-US" altLang="ko-KR" sz="1600" dirty="0" smtClean="0"/>
+                        <a:t>10</a:t>
+                      </a:r>
+                      <a:endParaRPr lang="ko-KR" altLang="en-US" sz="1600" dirty="0"/>
+                    </a:p>
+                  </a:txBody>
+                  <a:tcPr anchor="ctr"/>
+                </a:tc>
+                <a:extLst>
+                  <a:ext uri="{0D108BD9-81ED-4DB2-BD59-A6C34878D82A}">
+                    <a16:rowId xmlns:a16="http://schemas.microsoft.com/office/drawing/2014/main" val="10001"/>
+                  </a:ext>
+                </a:extLst>
+              </a:tr>
+              <a:tr h="370840">
+                <a:tc>
+                  <a:txBody>
+                    <a:bodyPr/>
+                    <a:lstStyle/>
+                    <a:p>
+                      <a:pPr algn="ctr" latinLnBrk="1"/>
+                      <a:r>
+                        <a:rPr lang="en-US" altLang="ko-KR" sz="1600" dirty="0" smtClean="0"/>
+                        <a:t>502</a:t>
+                      </a:r>
+                      <a:endParaRPr lang="ko-KR" altLang="en-US" sz="1600" dirty="0"/>
+                    </a:p>
+                  </a:txBody>
+                  <a:tcPr anchor="ctr"/>
+                </a:tc>
+                <a:tc>
+                  <a:txBody>
+                    <a:bodyPr/>
+                    <a:lstStyle/>
+                    <a:p>
+                      <a:pPr algn="ctr" latinLnBrk="1"/>
+                      <a:r>
+                        <a:rPr lang="ko-KR" altLang="en-US" sz="1600" dirty="0" err="1" smtClean="0"/>
+                        <a:t>김산</a:t>
+                      </a:r>
+                      <a:endParaRPr lang="ko-KR" altLang="en-US" sz="1600" dirty="0"/>
+                    </a:p>
+                  </a:txBody>
+                  <a:tcPr anchor="ctr"/>
+                </a:tc>
+                <a:tc>
+                  <a:txBody>
+                    <a:bodyPr/>
+                    <a:lstStyle/>
+                    <a:p>
+                      <a:pPr algn="ctr" latinLnBrk="1"/>
+                      <a:r>
+                        <a:rPr lang="en-US" altLang="ko-KR" sz="1600" dirty="0" smtClean="0"/>
+                        <a:t>24</a:t>
+                      </a:r>
+                      <a:endParaRPr lang="ko-KR" altLang="en-US" sz="1600" dirty="0"/>
+                    </a:p>
+                  </a:txBody>
+                  <a:tcPr anchor="ctr"/>
+                </a:tc>
+                <a:tc>
+                  <a:txBody>
+                    <a:bodyPr/>
+                    <a:lstStyle/>
+                    <a:p>
+                      <a:pPr algn="ctr" latinLnBrk="1"/>
+                      <a:r>
+                        <a:rPr lang="en-US" altLang="ko-KR" sz="1600" dirty="0" smtClean="0"/>
+                        <a:t>20</a:t>
+                      </a:r>
+                      <a:endParaRPr lang="ko-KR" altLang="en-US" sz="1600" dirty="0"/>
+                    </a:p>
+                  </a:txBody>
+                  <a:tcPr anchor="ctr"/>
+                </a:tc>
+                <a:extLst>
+                  <a:ext uri="{0D108BD9-81ED-4DB2-BD59-A6C34878D82A}">
+                    <a16:rowId xmlns:a16="http://schemas.microsoft.com/office/drawing/2014/main" val="10002"/>
+                  </a:ext>
+                </a:extLst>
+              </a:tr>
+              <a:tr h="370840">
+                <a:tc>
+                  <a:txBody>
+                    <a:bodyPr/>
+                    <a:lstStyle/>
+                    <a:p>
+                      <a:pPr algn="ctr" latinLnBrk="1"/>
+                      <a:r>
+                        <a:rPr lang="en-US" altLang="ko-KR" sz="1600" dirty="0" smtClean="0"/>
+                        <a:t>503</a:t>
+                      </a:r>
+                      <a:endParaRPr lang="ko-KR" altLang="en-US" sz="1600" dirty="0"/>
+                    </a:p>
+                  </a:txBody>
+                  <a:tcPr anchor="ctr"/>
+                </a:tc>
+                <a:tc>
+                  <a:txBody>
+                    <a:bodyPr/>
+                    <a:lstStyle/>
+                    <a:p>
+                      <a:pPr algn="ctr" latinLnBrk="1"/>
+                      <a:r>
+                        <a:rPr lang="ko-KR" altLang="en-US" sz="1600" dirty="0" smtClean="0"/>
+                        <a:t>남한강</a:t>
+                      </a:r>
+                      <a:endParaRPr lang="ko-KR" altLang="en-US" sz="1600" dirty="0"/>
+                    </a:p>
+                  </a:txBody>
+                  <a:tcPr anchor="ctr"/>
+                </a:tc>
+                <a:tc>
+                  <a:txBody>
+                    <a:bodyPr/>
+                    <a:lstStyle/>
+                    <a:p>
+                      <a:pPr algn="ctr" latinLnBrk="1"/>
+                      <a:r>
+                        <a:rPr lang="en-US" altLang="ko-KR" sz="1600" dirty="0" smtClean="0"/>
+                        <a:t>31</a:t>
+                      </a:r>
+                      <a:endParaRPr lang="ko-KR" altLang="en-US" sz="1600" dirty="0"/>
+                    </a:p>
+                  </a:txBody>
+                  <a:tcPr anchor="ctr"/>
+                </a:tc>
+                <a:tc>
+                  <a:txBody>
+                    <a:bodyPr/>
+                    <a:lstStyle/>
+                    <a:p>
+                      <a:pPr algn="ctr" latinLnBrk="1"/>
+                      <a:r>
+                        <a:rPr lang="en-US" altLang="ko-KR" sz="1600" dirty="0" smtClean="0"/>
+                        <a:t>10</a:t>
+                      </a:r>
+                      <a:endParaRPr lang="ko-KR" altLang="en-US" sz="1600" dirty="0"/>
+                    </a:p>
+                  </a:txBody>
+                  <a:tcPr anchor="ctr"/>
+                </a:tc>
+                <a:extLst>
+                  <a:ext uri="{0D108BD9-81ED-4DB2-BD59-A6C34878D82A}">
+                    <a16:rowId xmlns:a16="http://schemas.microsoft.com/office/drawing/2014/main" val="10003"/>
+                  </a:ext>
+                </a:extLst>
+              </a:tr>
+              <a:tr h="370840">
+                <a:tc>
+                  <a:txBody>
+                    <a:bodyPr/>
+                    <a:lstStyle/>
+                    <a:p>
+                      <a:pPr algn="ctr" latinLnBrk="1"/>
+                      <a:r>
+                        <a:rPr lang="en-US" altLang="ko-KR" sz="1600" dirty="0" smtClean="0"/>
+                        <a:t>504</a:t>
+                      </a:r>
+                      <a:endParaRPr lang="ko-KR" altLang="en-US" sz="1600" dirty="0"/>
+                    </a:p>
+                  </a:txBody>
+                  <a:tcPr anchor="ctr"/>
+                </a:tc>
+                <a:tc>
+                  <a:txBody>
+                    <a:bodyPr/>
+                    <a:lstStyle/>
+                    <a:p>
+                      <a:pPr algn="ctr" latinLnBrk="1"/>
+                      <a:r>
+                        <a:rPr lang="ko-KR" altLang="en-US" sz="1600" dirty="0" smtClean="0"/>
+                        <a:t>북한강</a:t>
+                      </a:r>
+                      <a:endParaRPr lang="ko-KR" altLang="en-US" sz="1600" dirty="0"/>
+                    </a:p>
+                  </a:txBody>
+                  <a:tcPr anchor="ctr"/>
+                </a:tc>
+                <a:tc>
+                  <a:txBody>
+                    <a:bodyPr/>
+                    <a:lstStyle/>
+                    <a:p>
+                      <a:pPr algn="ctr" latinLnBrk="1"/>
+                      <a:r>
+                        <a:rPr lang="en-US" altLang="ko-KR" sz="1600" dirty="0" smtClean="0"/>
+                        <a:t>35</a:t>
+                      </a:r>
+                      <a:endParaRPr lang="ko-KR" altLang="en-US" sz="1600" dirty="0"/>
+                    </a:p>
+                  </a:txBody>
+                  <a:tcPr anchor="ctr"/>
+                </a:tc>
+                <a:tc>
+                  <a:txBody>
+                    <a:bodyPr/>
+                    <a:lstStyle/>
+                    <a:p>
+                      <a:pPr algn="ctr" latinLnBrk="1"/>
+                      <a:r>
+                        <a:rPr lang="en-US" altLang="ko-KR" sz="1600" dirty="0" smtClean="0"/>
+                        <a:t>20</a:t>
+                      </a:r>
+                      <a:endParaRPr lang="ko-KR" altLang="en-US" sz="1600" dirty="0"/>
+                    </a:p>
+                  </a:txBody>
+                  <a:tcPr anchor="ctr"/>
+                </a:tc>
+                <a:extLst>
+                  <a:ext uri="{0D108BD9-81ED-4DB2-BD59-A6C34878D82A}">
+                    <a16:rowId xmlns:a16="http://schemas.microsoft.com/office/drawing/2014/main" val="10004"/>
+                  </a:ext>
+                </a:extLst>
+              </a:tr>
+            </a:tbl>
+          </a:graphicData>
+        </a:graphic>
+      </p:graphicFrame>
+      <p:sp>
+        <p:nvSpPr>
+          <p:cNvPr id="7" name="모서리가 둥근 직사각형 6"/>
+          <p:cNvSpPr/>
+          <p:nvPr/>
+        </p:nvSpPr>
+        <p:spPr>
+          <a:xfrm>
+            <a:off x="5535802" y="4077072"/>
+            <a:ext cx="1080120" cy="2088232"/>
+          </a:xfrm>
+          <a:prstGeom prst="roundRect">
+            <a:avLst/>
+          </a:prstGeom>
+          <a:noFill/>
+          <a:ln w="19050">
+            <a:solidFill>
+              <a:srgbClr val="C00000"/>
+            </a:solidFill>
+          </a:ln>
+        </p:spPr>
+        <p:style>
+          <a:lnRef idx="2">
+            <a:schemeClr val="accent1">
+              <a:shade val="50000"/>
+            </a:schemeClr>
+          </a:lnRef>
+          <a:fillRef idx="1">
+            <a:schemeClr val="accent1"/>
+          </a:fillRef>
+          <a:effectRef idx="0">
+            <a:schemeClr val="accent1"/>
+          </a:effectRef>
+          <a:fontRef idx="minor">
+            <a:schemeClr val="lt1"/>
+          </a:fontRef>
+        </p:style>
+        <p:txBody>
+          <a:bodyPr rtlCol="0" anchor="ctr"/>
+          <a:lstStyle/>
+          <a:p>
+            <a:pPr algn="ctr"/>
+            <a:endParaRPr lang="ko-KR" altLang="en-US"/>
+          </a:p>
+        </p:txBody>
+      </p:sp>
+      <p:sp>
+        <p:nvSpPr>
+          <p:cNvPr id="11" name="모서리가 둥근 직사각형 10"/>
+          <p:cNvSpPr/>
+          <p:nvPr/>
+        </p:nvSpPr>
+        <p:spPr>
+          <a:xfrm>
+            <a:off x="2062797" y="4150464"/>
+            <a:ext cx="1080120" cy="1872208"/>
+          </a:xfrm>
+          <a:prstGeom prst="roundRect">
+            <a:avLst/>
+          </a:prstGeom>
+          <a:noFill/>
+          <a:ln w="19050">
+            <a:solidFill>
+              <a:srgbClr val="C00000"/>
+            </a:solidFill>
+          </a:ln>
+        </p:spPr>
+        <p:style>
+          <a:lnRef idx="2">
+            <a:schemeClr val="accent1">
+              <a:shade val="50000"/>
+            </a:schemeClr>
+          </a:lnRef>
+          <a:fillRef idx="1">
+            <a:schemeClr val="accent1"/>
+          </a:fillRef>
+          <a:effectRef idx="0">
+            <a:schemeClr val="accent1"/>
+          </a:effectRef>
+          <a:fontRef idx="minor">
+            <a:schemeClr val="lt1"/>
+          </a:fontRef>
+        </p:style>
+        <p:txBody>
+          <a:bodyPr rtlCol="0" anchor="ctr"/>
+          <a:lstStyle/>
+          <a:p>
+            <a:pPr algn="ctr"/>
+            <a:endParaRPr lang="ko-KR" altLang="en-US"/>
+          </a:p>
+        </p:txBody>
+      </p:sp>
+      <p:graphicFrame>
+        <p:nvGraphicFramePr>
+          <p:cNvPr id="16" name="내용 개체 틀 4"/>
+          <p:cNvGraphicFramePr>
+            <a:graphicFrameLocks/>
+          </p:cNvGraphicFramePr>
+          <p:nvPr>
+            <p:extLst/>
+          </p:nvPr>
+        </p:nvGraphicFramePr>
+        <p:xfrm>
+          <a:off x="2234507" y="2276873"/>
+          <a:ext cx="3511776" cy="1224137"/>
+        </p:xfrm>
+        <a:graphic>
+          <a:graphicData uri="http://schemas.openxmlformats.org/drawingml/2006/table">
+            <a:tbl>
+              <a:tblPr firstRow="1">
+                <a:tableStyleId>{5C22544A-7EE6-4342-B048-85BDC9FD1C3A}</a:tableStyleId>
+              </a:tblPr>
+              <a:tblGrid>
+                <a:gridCol w="1225038">
+                  <a:extLst>
+                    <a:ext uri="{9D8B030D-6E8A-4147-A177-3AD203B41FA5}">
+                      <a16:colId xmlns:a16="http://schemas.microsoft.com/office/drawing/2014/main" val="20000"/>
+                    </a:ext>
+                  </a:extLst>
+                </a:gridCol>
+                <a:gridCol w="1143369">
+                  <a:extLst>
+                    <a:ext uri="{9D8B030D-6E8A-4147-A177-3AD203B41FA5}">
+                      <a16:colId xmlns:a16="http://schemas.microsoft.com/office/drawing/2014/main" val="20001"/>
+                    </a:ext>
+                  </a:extLst>
+                </a:gridCol>
+                <a:gridCol w="1143369">
+                  <a:extLst>
+                    <a:ext uri="{9D8B030D-6E8A-4147-A177-3AD203B41FA5}">
+                      <a16:colId xmlns:a16="http://schemas.microsoft.com/office/drawing/2014/main" val="20002"/>
+                    </a:ext>
+                  </a:extLst>
+                </a:gridCol>
+              </a:tblGrid>
+              <a:tr h="381099">
+                <a:tc>
+                  <a:txBody>
+                    <a:bodyPr/>
+                    <a:lstStyle/>
+                    <a:p>
+                      <a:pPr algn="ctr" latinLnBrk="1"/>
+                      <a:r>
+                        <a:rPr lang="ko-KR" altLang="en-US" sz="1600" dirty="0" smtClean="0"/>
+                        <a:t>부서 코드</a:t>
+                      </a:r>
+                      <a:endParaRPr lang="ko-KR" altLang="en-US" sz="1600" dirty="0"/>
+                    </a:p>
+                  </a:txBody>
+                  <a:tcPr anchor="ctr"/>
+                </a:tc>
+                <a:tc>
+                  <a:txBody>
+                    <a:bodyPr/>
+                    <a:lstStyle/>
+                    <a:p>
+                      <a:pPr algn="ctr" latinLnBrk="1"/>
+                      <a:r>
+                        <a:rPr lang="ko-KR" altLang="en-US" sz="1600" dirty="0" smtClean="0"/>
+                        <a:t>부서 이름</a:t>
+                      </a:r>
+                      <a:endParaRPr lang="ko-KR" altLang="en-US" sz="1600" dirty="0"/>
+                    </a:p>
+                  </a:txBody>
+                  <a:tcPr anchor="ctr"/>
+                </a:tc>
+                <a:tc>
+                  <a:txBody>
+                    <a:bodyPr/>
+                    <a:lstStyle/>
+                    <a:p>
+                      <a:pPr algn="ctr" latinLnBrk="1"/>
+                      <a:r>
+                        <a:rPr lang="ko-KR" altLang="en-US" sz="1600" dirty="0" smtClean="0"/>
+                        <a:t>위치</a:t>
+                      </a:r>
+                      <a:endParaRPr lang="ko-KR" altLang="en-US" sz="1600" dirty="0"/>
+                    </a:p>
+                  </a:txBody>
+                  <a:tcPr anchor="ctr"/>
+                </a:tc>
+                <a:extLst>
+                  <a:ext uri="{0D108BD9-81ED-4DB2-BD59-A6C34878D82A}">
+                    <a16:rowId xmlns:a16="http://schemas.microsoft.com/office/drawing/2014/main" val="10000"/>
+                  </a:ext>
+                </a:extLst>
+              </a:tr>
+              <a:tr h="421519">
+                <a:tc>
+                  <a:txBody>
+                    <a:bodyPr/>
+                    <a:lstStyle/>
+                    <a:p>
+                      <a:pPr algn="ctr" latinLnBrk="1"/>
+                      <a:r>
+                        <a:rPr lang="en-US" altLang="ko-KR" sz="1600" dirty="0" smtClean="0"/>
+                        <a:t>10</a:t>
+                      </a:r>
+                      <a:endParaRPr lang="ko-KR" altLang="en-US" sz="1600" dirty="0"/>
+                    </a:p>
+                  </a:txBody>
+                  <a:tcPr anchor="ctr"/>
+                </a:tc>
+                <a:tc>
+                  <a:txBody>
+                    <a:bodyPr/>
+                    <a:lstStyle/>
+                    <a:p>
+                      <a:pPr algn="ctr" latinLnBrk="1"/>
+                      <a:r>
+                        <a:rPr lang="ko-KR" altLang="en-US" sz="1600" dirty="0" err="1" smtClean="0"/>
+                        <a:t>전산팀</a:t>
+                      </a:r>
+                      <a:endParaRPr lang="ko-KR" altLang="en-US" sz="1600" dirty="0"/>
+                    </a:p>
+                  </a:txBody>
+                  <a:tcPr anchor="ctr"/>
+                </a:tc>
+                <a:tc>
+                  <a:txBody>
+                    <a:bodyPr/>
+                    <a:lstStyle/>
+                    <a:p>
+                      <a:pPr algn="ctr" latinLnBrk="1"/>
+                      <a:r>
+                        <a:rPr lang="ko-KR" altLang="en-US" sz="1600" dirty="0" smtClean="0"/>
+                        <a:t>서울</a:t>
+                      </a:r>
+                      <a:endParaRPr lang="ko-KR" altLang="en-US" sz="1600" dirty="0"/>
+                    </a:p>
+                  </a:txBody>
+                  <a:tcPr anchor="ctr"/>
+                </a:tc>
+                <a:extLst>
+                  <a:ext uri="{0D108BD9-81ED-4DB2-BD59-A6C34878D82A}">
+                    <a16:rowId xmlns:a16="http://schemas.microsoft.com/office/drawing/2014/main" val="10001"/>
+                  </a:ext>
+                </a:extLst>
+              </a:tr>
+              <a:tr h="421519">
+                <a:tc>
+                  <a:txBody>
+                    <a:bodyPr/>
+                    <a:lstStyle/>
+                    <a:p>
+                      <a:pPr algn="ctr" latinLnBrk="1"/>
+                      <a:r>
+                        <a:rPr lang="en-US" altLang="ko-KR" sz="1600" dirty="0" smtClean="0"/>
+                        <a:t>20</a:t>
+                      </a:r>
+                      <a:endParaRPr lang="ko-KR" altLang="en-US" sz="1600" dirty="0"/>
+                    </a:p>
+                  </a:txBody>
+                  <a:tcPr anchor="ctr"/>
+                </a:tc>
+                <a:tc>
+                  <a:txBody>
+                    <a:bodyPr/>
+                    <a:lstStyle/>
+                    <a:p>
+                      <a:pPr algn="ctr" latinLnBrk="1"/>
+                      <a:r>
+                        <a:rPr lang="ko-KR" altLang="en-US" sz="1600" dirty="0" err="1" smtClean="0"/>
+                        <a:t>총무팀</a:t>
+                      </a:r>
+                      <a:endParaRPr lang="ko-KR" altLang="en-US" sz="1600" dirty="0"/>
+                    </a:p>
+                  </a:txBody>
+                  <a:tcPr anchor="ctr"/>
+                </a:tc>
+                <a:tc>
+                  <a:txBody>
+                    <a:bodyPr/>
+                    <a:lstStyle/>
+                    <a:p>
+                      <a:pPr algn="ctr" latinLnBrk="1"/>
+                      <a:r>
+                        <a:rPr lang="ko-KR" altLang="en-US" sz="1600" dirty="0" smtClean="0"/>
+                        <a:t>인천</a:t>
+                      </a:r>
+                      <a:endParaRPr lang="ko-KR" altLang="en-US" sz="1600" dirty="0"/>
+                    </a:p>
+                  </a:txBody>
+                  <a:tcPr anchor="ctr"/>
+                </a:tc>
+                <a:extLst>
+                  <a:ext uri="{0D108BD9-81ED-4DB2-BD59-A6C34878D82A}">
+                    <a16:rowId xmlns:a16="http://schemas.microsoft.com/office/drawing/2014/main" val="10002"/>
+                  </a:ext>
+                </a:extLst>
+              </a:tr>
+            </a:tbl>
+          </a:graphicData>
+        </a:graphic>
+      </p:graphicFrame>
+      <p:sp>
+        <p:nvSpPr>
+          <p:cNvPr id="17" name="모서리가 둥근 직사각형 16"/>
+          <p:cNvSpPr/>
+          <p:nvPr/>
+        </p:nvSpPr>
+        <p:spPr>
+          <a:xfrm>
+            <a:off x="2198636" y="2204864"/>
+            <a:ext cx="1152128" cy="1512168"/>
+          </a:xfrm>
+          <a:prstGeom prst="roundRect">
+            <a:avLst/>
+          </a:prstGeom>
+          <a:noFill/>
+          <a:ln w="19050">
+            <a:solidFill>
+              <a:srgbClr val="C00000"/>
+            </a:solidFill>
+          </a:ln>
+        </p:spPr>
+        <p:style>
+          <a:lnRef idx="2">
+            <a:schemeClr val="accent1">
+              <a:shade val="50000"/>
+            </a:schemeClr>
+          </a:lnRef>
+          <a:fillRef idx="1">
+            <a:schemeClr val="accent1"/>
+          </a:fillRef>
+          <a:effectRef idx="0">
+            <a:schemeClr val="accent1"/>
+          </a:effectRef>
+          <a:fontRef idx="minor">
+            <a:schemeClr val="lt1"/>
+          </a:fontRef>
+        </p:style>
+        <p:txBody>
+          <a:bodyPr rtlCol="0" anchor="ctr"/>
+          <a:lstStyle/>
+          <a:p>
+            <a:pPr algn="ctr"/>
+            <a:endParaRPr lang="ko-KR" altLang="en-US"/>
+          </a:p>
+        </p:txBody>
+      </p:sp>
+      <p:sp>
+        <p:nvSpPr>
+          <p:cNvPr id="18" name="모서리가 둥근 직사각형 17"/>
+          <p:cNvSpPr/>
+          <p:nvPr/>
+        </p:nvSpPr>
+        <p:spPr>
+          <a:xfrm>
+            <a:off x="6466367" y="4689140"/>
+            <a:ext cx="1008109" cy="432048"/>
+          </a:xfrm>
+          <a:prstGeom prst="roundRect">
+            <a:avLst/>
+          </a:prstGeom>
+          <a:ln w="19050"/>
+        </p:spPr>
+        <p:style>
+          <a:lnRef idx="2">
+            <a:schemeClr val="dk1"/>
+          </a:lnRef>
+          <a:fillRef idx="1">
+            <a:schemeClr val="lt1"/>
+          </a:fillRef>
+          <a:effectRef idx="0">
+            <a:schemeClr val="dk1"/>
+          </a:effectRef>
+          <a:fontRef idx="minor">
+            <a:schemeClr val="dk1"/>
+          </a:fontRef>
+        </p:style>
+        <p:txBody>
+          <a:bodyPr rtlCol="0" anchor="ctr"/>
+          <a:lstStyle/>
+          <a:p>
+            <a:pPr algn="ctr"/>
+            <a:r>
+              <a:rPr lang="ko-KR" altLang="en-US" sz="1600" dirty="0" err="1" smtClean="0">
+                <a:solidFill>
+                  <a:schemeClr val="tx1"/>
+                </a:solidFill>
+              </a:rPr>
+              <a:t>외래키</a:t>
+            </a:r>
+            <a:endParaRPr lang="ko-KR" altLang="en-US" sz="1600" dirty="0">
+              <a:solidFill>
+                <a:schemeClr val="tx1"/>
+              </a:solidFill>
+            </a:endParaRPr>
+          </a:p>
+        </p:txBody>
+      </p:sp>
+      <p:sp>
+        <p:nvSpPr>
+          <p:cNvPr id="13" name="모서리가 둥근 직사각형 12"/>
+          <p:cNvSpPr/>
+          <p:nvPr/>
+        </p:nvSpPr>
+        <p:spPr>
+          <a:xfrm>
+            <a:off x="1406417" y="2758616"/>
+            <a:ext cx="1008109" cy="432048"/>
+          </a:xfrm>
+          <a:prstGeom prst="roundRect">
+            <a:avLst/>
+          </a:prstGeom>
+          <a:ln w="19050"/>
+        </p:spPr>
+        <p:style>
+          <a:lnRef idx="2">
+            <a:schemeClr val="dk1"/>
+          </a:lnRef>
+          <a:fillRef idx="1">
+            <a:schemeClr val="lt1"/>
+          </a:fillRef>
+          <a:effectRef idx="0">
+            <a:schemeClr val="dk1"/>
+          </a:effectRef>
+          <a:fontRef idx="minor">
+            <a:schemeClr val="dk1"/>
+          </a:fontRef>
+        </p:style>
+        <p:txBody>
+          <a:bodyPr rtlCol="0" anchor="ctr"/>
+          <a:lstStyle/>
+          <a:p>
+            <a:pPr algn="ctr"/>
+            <a:r>
+              <a:rPr lang="ko-KR" altLang="en-US" sz="1600" smtClean="0">
+                <a:solidFill>
+                  <a:schemeClr val="tx1"/>
+                </a:solidFill>
+              </a:rPr>
+              <a:t>기본키</a:t>
+            </a:r>
+            <a:endParaRPr lang="ko-KR" altLang="en-US" sz="1600" dirty="0">
+              <a:solidFill>
+                <a:schemeClr val="tx1"/>
+              </a:solidFill>
+            </a:endParaRPr>
+          </a:p>
+        </p:txBody>
+      </p:sp>
+      <p:sp>
+        <p:nvSpPr>
+          <p:cNvPr id="19" name="모서리가 둥근 직사각형 18"/>
+          <p:cNvSpPr/>
+          <p:nvPr/>
+        </p:nvSpPr>
+        <p:spPr>
+          <a:xfrm>
+            <a:off x="1281791" y="4857120"/>
+            <a:ext cx="1008109" cy="432048"/>
+          </a:xfrm>
+          <a:prstGeom prst="roundRect">
+            <a:avLst/>
+          </a:prstGeom>
+          <a:ln w="19050"/>
+        </p:spPr>
+        <p:style>
+          <a:lnRef idx="2">
+            <a:schemeClr val="dk1"/>
+          </a:lnRef>
+          <a:fillRef idx="1">
+            <a:schemeClr val="lt1"/>
+          </a:fillRef>
+          <a:effectRef idx="0">
+            <a:schemeClr val="dk1"/>
+          </a:effectRef>
+          <a:fontRef idx="minor">
+            <a:schemeClr val="dk1"/>
+          </a:fontRef>
+        </p:style>
+        <p:txBody>
+          <a:bodyPr rtlCol="0" anchor="ctr"/>
+          <a:lstStyle/>
+          <a:p>
+            <a:pPr algn="ctr"/>
+            <a:r>
+              <a:rPr lang="ko-KR" altLang="en-US" sz="1600" smtClean="0">
+                <a:solidFill>
+                  <a:schemeClr val="tx1"/>
+                </a:solidFill>
+              </a:rPr>
+              <a:t>기본키</a:t>
+            </a:r>
+            <a:endParaRPr lang="ko-KR" altLang="en-US" sz="1600" dirty="0">
+              <a:solidFill>
+                <a:schemeClr val="tx1"/>
+              </a:solidFill>
+            </a:endParaRPr>
+          </a:p>
+        </p:txBody>
+      </p:sp>
+      <p:cxnSp>
+        <p:nvCxnSpPr>
+          <p:cNvPr id="20" name="꺾인 연결선 19"/>
+          <p:cNvCxnSpPr>
+            <a:stCxn id="17" idx="2"/>
+            <a:endCxn id="7" idx="0"/>
+          </p:cNvCxnSpPr>
+          <p:nvPr/>
+        </p:nvCxnSpPr>
+        <p:spPr>
+          <a:xfrm rot="16200000" flipH="1">
+            <a:off x="4245261" y="2246472"/>
+            <a:ext cx="360040" cy="3301161"/>
+          </a:xfrm>
+          <a:prstGeom prst="bentConnector3">
+            <a:avLst/>
+          </a:prstGeom>
+          <a:ln w="19050">
+            <a:solidFill>
+              <a:srgbClr val="C00000"/>
+            </a:solidFill>
+            <a:headEnd type="oval" w="med" len="med"/>
+            <a:tailEnd type="oval" w="med" len="med"/>
+          </a:ln>
+        </p:spPr>
+        <p:style>
+          <a:lnRef idx="1">
+            <a:schemeClr val="accent1"/>
+          </a:lnRef>
+          <a:fillRef idx="0">
+            <a:schemeClr val="accent1"/>
+          </a:fillRef>
+          <a:effectRef idx="0">
+            <a:schemeClr val="accent1"/>
+          </a:effectRef>
+          <a:fontRef idx="minor">
+            <a:schemeClr val="tx1"/>
+          </a:fontRef>
+        </p:style>
+      </p:cxnSp>
+    </p:spTree>
+    <p:extLst>
+      <p:ext uri="{BB962C8B-B14F-4D97-AF65-F5344CB8AC3E}">
+        <p14:creationId xmlns:p14="http://schemas.microsoft.com/office/powerpoint/2010/main" val="4276614404"/>
+      </p:ext>
+    </p:extLst>
+  </p:cSld>
+  <p:clrMapOvr>
+    <a:masterClrMapping/>
+  </p:clrMapOvr>
+  <p:timing>
+    <p:tnLst>
+      <p:par>
+        <p:cTn id="1" dur="indefinite" restart="never" nodeType="tmRoot"/>
+      </p:par>
+    </p:tnLst>
+  </p:timing>
+</p:sld>
+</file>
+
+<file path=ppt/slides/slide26.xml><?xml version="1.0" encoding="utf-8"?>
+<p:sld xmlns:a="http://schemas.openxmlformats.org/drawingml/2006/main" xmlns:r="http://schemas.openxmlformats.org/officeDocument/2006/relationships" xmlns:p="http://schemas.openxmlformats.org/presentationml/2006/main">
+  <p:cSld>
+    <p:spTree>
+      <p:nvGrpSpPr>
+        <p:cNvPr id="1" name=""/>
+        <p:cNvGrpSpPr/>
+        <p:nvPr/>
+      </p:nvGrpSpPr>
+      <p:grpSpPr>
+        <a:xfrm>
+          <a:off x="0" y="0"/>
+          <a:ext cx="0" cy="0"/>
+          <a:chOff x="0" y="0"/>
+          <a:chExt cx="0" cy="0"/>
+        </a:xfrm>
+      </p:grpSpPr>
+      <p:sp>
+        <p:nvSpPr>
+          <p:cNvPr id="2" name="제목 1"/>
+          <p:cNvSpPr>
+            <a:spLocks noGrp="1"/>
+          </p:cNvSpPr>
+          <p:nvPr>
+            <p:ph type="title"/>
+          </p:nvPr>
+        </p:nvSpPr>
+        <p:spPr/>
+        <p:txBody>
+          <a:bodyPr/>
+          <a:lstStyle/>
+          <a:p>
+            <a:r>
+              <a:rPr lang="en-US" altLang="ko-KR" dirty="0" smtClean="0"/>
+              <a:t> </a:t>
+            </a:r>
+            <a:r>
+              <a:rPr lang="ko-KR" altLang="en-US" dirty="0"/>
+              <a:t>관계</a:t>
+            </a:r>
+            <a:r>
+              <a:rPr lang="en-US" altLang="ko-KR" dirty="0"/>
+              <a:t>(</a:t>
+            </a:r>
+            <a:r>
+              <a:rPr lang="en-US" altLang="ko-KR" dirty="0" err="1"/>
+              <a:t>Releation</a:t>
+            </a:r>
+            <a:r>
+              <a:rPr lang="en-US" altLang="ko-KR" dirty="0" smtClean="0"/>
+              <a:t>) - </a:t>
+            </a:r>
+            <a:r>
+              <a:rPr lang="ko-KR" altLang="en-US" dirty="0" err="1" smtClean="0"/>
+              <a:t>외래키</a:t>
+            </a:r>
+            <a:endParaRPr lang="ko-KR" altLang="en-US" dirty="0"/>
+          </a:p>
+        </p:txBody>
+      </p:sp>
+      <p:sp>
+        <p:nvSpPr>
+          <p:cNvPr id="4" name="슬라이드 번호 개체 틀 3"/>
+          <p:cNvSpPr>
+            <a:spLocks noGrp="1"/>
+          </p:cNvSpPr>
+          <p:nvPr>
+            <p:ph type="sldNum" sz="quarter" idx="12"/>
+          </p:nvPr>
+        </p:nvSpPr>
+        <p:spPr/>
+        <p:txBody>
+          <a:bodyPr/>
+          <a:lstStyle/>
+          <a:p>
+            <a:fld id="{1BDE3FE7-3AEA-4B05-AC5A-802D1816ACF0}" type="slidenum">
+              <a:rPr lang="ko-KR" altLang="en-US" smtClean="0"/>
+              <a:t>26</a:t>
+            </a:fld>
+            <a:endParaRPr lang="ko-KR" altLang="en-US"/>
+          </a:p>
+        </p:txBody>
+      </p:sp>
+      <p:sp>
+        <p:nvSpPr>
+          <p:cNvPr id="6" name="TextBox 5"/>
+          <p:cNvSpPr txBox="1"/>
+          <p:nvPr/>
+        </p:nvSpPr>
+        <p:spPr>
+          <a:xfrm>
+            <a:off x="1043608" y="1124744"/>
+            <a:ext cx="5854805" cy="1015663"/>
+          </a:xfrm>
+          <a:prstGeom prst="rect">
+            <a:avLst/>
+          </a:prstGeom>
+          <a:noFill/>
+        </p:spPr>
+        <p:txBody>
+          <a:bodyPr wrap="square" rtlCol="0">
+            <a:spAutoFit/>
+          </a:bodyPr>
+          <a:lstStyle/>
+          <a:p>
+            <a:r>
+              <a:rPr lang="ko-KR" altLang="en-US" sz="2000" b="1" dirty="0" smtClean="0"/>
+              <a:t>부</a:t>
+            </a:r>
+            <a:r>
+              <a:rPr lang="ko-KR" altLang="en-US" sz="2000" b="1" dirty="0"/>
+              <a:t>서</a:t>
+            </a:r>
+            <a:r>
+              <a:rPr lang="ko-KR" altLang="en-US" sz="2000" b="1" dirty="0" smtClean="0"/>
+              <a:t>와 직원 테이블 생성</a:t>
+            </a:r>
+            <a:endParaRPr lang="en-US" altLang="ko-KR" sz="2000" b="1" dirty="0"/>
+          </a:p>
+          <a:p>
+            <a:endParaRPr lang="en-US" altLang="ko-KR" sz="2000" b="1" dirty="0" smtClean="0"/>
+          </a:p>
+          <a:p>
+            <a:r>
+              <a:rPr lang="ko-KR" altLang="en-US" sz="2000" b="1" dirty="0" smtClean="0"/>
+              <a:t> </a:t>
+            </a:r>
+            <a:r>
+              <a:rPr lang="en-US" altLang="ko-KR" b="1" dirty="0" smtClean="0"/>
+              <a:t>- </a:t>
+            </a:r>
+            <a:r>
+              <a:rPr lang="ko-KR" altLang="en-US" b="1" dirty="0" smtClean="0"/>
+              <a:t>사원</a:t>
+            </a:r>
+            <a:r>
+              <a:rPr lang="en-US" altLang="ko-KR" b="1" dirty="0" smtClean="0"/>
+              <a:t>(employee)</a:t>
+            </a:r>
+            <a:r>
+              <a:rPr lang="ko-KR" altLang="en-US" b="1" dirty="0" smtClean="0"/>
+              <a:t> 테이블에 </a:t>
+            </a:r>
+            <a:r>
+              <a:rPr lang="en-US" altLang="ko-KR" b="1" dirty="0" smtClean="0"/>
+              <a:t>Foreign Key </a:t>
+            </a:r>
+            <a:r>
+              <a:rPr lang="ko-KR" altLang="en-US" b="1" dirty="0" smtClean="0"/>
+              <a:t>설정</a:t>
+            </a:r>
+            <a:endParaRPr lang="ko-KR" altLang="en-US" b="1" dirty="0"/>
+          </a:p>
+        </p:txBody>
+      </p:sp>
+      <p:pic>
+        <p:nvPicPr>
+          <p:cNvPr id="7" name="그림 6"/>
+          <p:cNvPicPr>
+            <a:picLocks noChangeAspect="1"/>
+          </p:cNvPicPr>
+          <p:nvPr/>
+        </p:nvPicPr>
+        <p:blipFill>
+          <a:blip r:embed="rId2">
+            <a:extLst>
+              <a:ext uri="{28A0092B-C50C-407E-A947-70E740481C1C}">
+                <a14:useLocalDpi xmlns:a14="http://schemas.microsoft.com/office/drawing/2010/main" val="0"/>
+              </a:ext>
+            </a:extLst>
+          </a:blip>
+          <a:stretch>
+            <a:fillRect/>
+          </a:stretch>
+        </p:blipFill>
+        <p:spPr>
+          <a:xfrm>
+            <a:off x="1312252" y="2335493"/>
+            <a:ext cx="6965284" cy="3734124"/>
+          </a:xfrm>
+          <a:prstGeom prst="rect">
+            <a:avLst/>
+          </a:prstGeom>
+          <a:ln>
+            <a:solidFill>
+              <a:schemeClr val="bg1">
+                <a:lumMod val="85000"/>
+              </a:schemeClr>
+            </a:solidFill>
+          </a:ln>
+        </p:spPr>
+      </p:pic>
+      <p:sp>
+        <p:nvSpPr>
+          <p:cNvPr id="10" name="모서리가 둥근 직사각형 9"/>
+          <p:cNvSpPr/>
+          <p:nvPr/>
+        </p:nvSpPr>
+        <p:spPr>
+          <a:xfrm>
+            <a:off x="1619672" y="5517231"/>
+            <a:ext cx="6860147" cy="394025"/>
+          </a:xfrm>
+          <a:prstGeom prst="roundRect">
+            <a:avLst/>
+          </a:prstGeom>
+          <a:noFill/>
+          <a:ln w="28575">
+            <a:solidFill>
+              <a:srgbClr val="C00000"/>
+            </a:solidFill>
+            <a:prstDash val="sysDash"/>
+          </a:ln>
+        </p:spPr>
+        <p:style>
+          <a:lnRef idx="2">
+            <a:schemeClr val="accent1">
+              <a:shade val="50000"/>
+            </a:schemeClr>
+          </a:lnRef>
+          <a:fillRef idx="1">
+            <a:schemeClr val="accent1"/>
+          </a:fillRef>
+          <a:effectRef idx="0">
+            <a:schemeClr val="accent1"/>
+          </a:effectRef>
+          <a:fontRef idx="minor">
+            <a:schemeClr val="lt1"/>
+          </a:fontRef>
+        </p:style>
+        <p:txBody>
+          <a:bodyPr rtlCol="0" anchor="ctr"/>
+          <a:lstStyle/>
+          <a:p>
+            <a:pPr algn="ctr"/>
+            <a:endParaRPr lang="ko-KR" altLang="en-US" sz="1400"/>
+          </a:p>
+        </p:txBody>
+      </p:sp>
+    </p:spTree>
+    <p:extLst>
+      <p:ext uri="{BB962C8B-B14F-4D97-AF65-F5344CB8AC3E}">
+        <p14:creationId xmlns:p14="http://schemas.microsoft.com/office/powerpoint/2010/main" val="2900271060"/>
+      </p:ext>
+    </p:extLst>
+  </p:cSld>
+  <p:clrMapOvr>
+    <a:masterClrMapping/>
+  </p:clrMapOvr>
+  <p:timing>
+    <p:tnLst>
+      <p:par>
+        <p:cTn id="1" dur="indefinite" restart="never" nodeType="tmRoot">
+          <p:childTnLst>
+            <p:seq concurrent="1" nextAc="seek">
+              <p:cTn id="2" dur="indefinite" nodeType="mainSeq">
+                <p:childTnLst>
+                  <p:par>
+                    <p:cTn id="3" fill="hold">
+                      <p:stCondLst>
+                        <p:cond delay="indefinite"/>
+                      </p:stCondLst>
+                      <p:childTnLst>
+                        <p:par>
+                          <p:cTn id="4" fill="hold">
+                            <p:stCondLst>
+                              <p:cond delay="0"/>
+                            </p:stCondLst>
+                            <p:childTnLst>
+                              <p:par>
+                                <p:cTn id="5" presetID="32" presetClass="emph" presetSubtype="0" fill="hold" grpId="0" nodeType="clickEffect">
+                                  <p:stCondLst>
+                                    <p:cond delay="0"/>
+                                  </p:stCondLst>
+                                  <p:childTnLst>
+                                    <p:animRot by="120000">
+                                      <p:cBhvr>
+                                        <p:cTn id="6" dur="100" fill="hold">
+                                          <p:stCondLst>
+                                            <p:cond delay="0"/>
+                                          </p:stCondLst>
+                                        </p:cTn>
+                                        <p:tgtEl>
+                                          <p:spTgt spid="10"/>
+                                        </p:tgtEl>
+                                        <p:attrNameLst>
+                                          <p:attrName>r</p:attrName>
+                                        </p:attrNameLst>
+                                      </p:cBhvr>
+                                    </p:animRot>
+                                    <p:animRot by="-240000">
+                                      <p:cBhvr>
+                                        <p:cTn id="7" dur="200" fill="hold">
+                                          <p:stCondLst>
+                                            <p:cond delay="200"/>
+                                          </p:stCondLst>
+                                        </p:cTn>
+                                        <p:tgtEl>
+                                          <p:spTgt spid="10"/>
+                                        </p:tgtEl>
+                                        <p:attrNameLst>
+                                          <p:attrName>r</p:attrName>
+                                        </p:attrNameLst>
+                                      </p:cBhvr>
+                                    </p:animRot>
+                                    <p:animRot by="240000">
+                                      <p:cBhvr>
+                                        <p:cTn id="8" dur="200" fill="hold">
+                                          <p:stCondLst>
+                                            <p:cond delay="400"/>
+                                          </p:stCondLst>
+                                        </p:cTn>
+                                        <p:tgtEl>
+                                          <p:spTgt spid="10"/>
+                                        </p:tgtEl>
+                                        <p:attrNameLst>
+                                          <p:attrName>r</p:attrName>
+                                        </p:attrNameLst>
+                                      </p:cBhvr>
+                                    </p:animRot>
+                                    <p:animRot by="-240000">
+                                      <p:cBhvr>
+                                        <p:cTn id="9" dur="200" fill="hold">
+                                          <p:stCondLst>
+                                            <p:cond delay="600"/>
+                                          </p:stCondLst>
+                                        </p:cTn>
+                                        <p:tgtEl>
+                                          <p:spTgt spid="10"/>
+                                        </p:tgtEl>
+                                        <p:attrNameLst>
+                                          <p:attrName>r</p:attrName>
+                                        </p:attrNameLst>
+                                      </p:cBhvr>
+                                    </p:animRot>
+                                    <p:animRot by="120000">
+                                      <p:cBhvr>
+                                        <p:cTn id="10" dur="200" fill="hold">
+                                          <p:stCondLst>
+                                            <p:cond delay="800"/>
+                                          </p:stCondLst>
+                                        </p:cTn>
+                                        <p:tgtEl>
+                                          <p:spTgt spid="10"/>
+                                        </p:tgtEl>
+                                        <p:attrNameLst>
+                                          <p:attrName>r</p:attrName>
+                                        </p:attrNameLst>
+                                      </p:cBhvr>
+                                    </p:animRot>
+                                  </p:childTnLst>
+                                </p:cTn>
+                              </p:par>
+                            </p:childTnLst>
+                          </p:cTn>
+                        </p:par>
+                      </p:childTnLst>
+                    </p:cTn>
+                  </p:par>
+                </p:childTnLst>
+              </p:cTn>
+              <p:prevCondLst>
+                <p:cond evt="onPrev" delay="0">
+                  <p:tgtEl>
+                    <p:sldTgt/>
+                  </p:tgtEl>
+                </p:cond>
+              </p:prevCondLst>
+              <p:nextCondLst>
+                <p:cond evt="onNext" delay="0">
+                  <p:tgtEl>
+                    <p:sldTgt/>
+                  </p:tgtEl>
+                </p:cond>
+              </p:nextCondLst>
+            </p:seq>
+          </p:childTnLst>
+        </p:cTn>
+      </p:par>
+    </p:tnLst>
+    <p:bldLst>
+      <p:bldP spid="10" grpId="0" animBg="1"/>
+    </p:bldLst>
+  </p:timing>
+</p:sld>
+</file>
+
+<file path=ppt/slides/slide27.xml><?xml version="1.0" encoding="utf-8"?>
+<p:sld xmlns:a="http://schemas.openxmlformats.org/drawingml/2006/main" xmlns:r="http://schemas.openxmlformats.org/officeDocument/2006/relationships" xmlns:p="http://schemas.openxmlformats.org/presentationml/2006/main">
+  <p:cSld>
+    <p:spTree>
+      <p:nvGrpSpPr>
+        <p:cNvPr id="1" name=""/>
+        <p:cNvGrpSpPr/>
+        <p:nvPr/>
+      </p:nvGrpSpPr>
+      <p:grpSpPr>
+        <a:xfrm>
+          <a:off x="0" y="0"/>
+          <a:ext cx="0" cy="0"/>
+          <a:chOff x="0" y="0"/>
+          <a:chExt cx="0" cy="0"/>
+        </a:xfrm>
+      </p:grpSpPr>
+      <p:sp>
+        <p:nvSpPr>
+          <p:cNvPr id="2" name="제목 1"/>
+          <p:cNvSpPr>
+            <a:spLocks noGrp="1"/>
+          </p:cNvSpPr>
+          <p:nvPr>
+            <p:ph type="title"/>
+          </p:nvPr>
+        </p:nvSpPr>
+        <p:spPr/>
+        <p:txBody>
+          <a:bodyPr>
+            <a:normAutofit fontScale="90000"/>
+          </a:bodyPr>
+          <a:lstStyle/>
+          <a:p>
+            <a:r>
+              <a:rPr lang="en-US" altLang="ko-KR" dirty="0" smtClean="0"/>
+              <a:t> </a:t>
+            </a:r>
+            <a:r>
+              <a:rPr lang="ko-KR" altLang="en-US" dirty="0"/>
+              <a:t>관계</a:t>
+            </a:r>
+            <a:r>
+              <a:rPr lang="en-US" altLang="ko-KR" dirty="0"/>
+              <a:t>(</a:t>
+            </a:r>
+            <a:r>
+              <a:rPr lang="en-US" altLang="ko-KR" dirty="0" err="1"/>
+              <a:t>Releation</a:t>
+            </a:r>
+            <a:r>
+              <a:rPr lang="en-US" altLang="ko-KR" dirty="0"/>
+              <a:t>) </a:t>
+            </a:r>
+            <a:r>
+              <a:rPr lang="en-US" altLang="ko-KR" dirty="0" smtClean="0"/>
+              <a:t>– </a:t>
+            </a:r>
+            <a:r>
+              <a:rPr lang="ko-KR" altLang="en-US" dirty="0" err="1" smtClean="0"/>
+              <a:t>외래키</a:t>
+            </a:r>
+            <a:r>
+              <a:rPr lang="ko-KR" altLang="en-US" dirty="0" smtClean="0"/>
+              <a:t> 제약</a:t>
+            </a:r>
+            <a:endParaRPr lang="ko-KR" altLang="en-US" dirty="0"/>
+          </a:p>
+        </p:txBody>
+      </p:sp>
+      <p:sp>
+        <p:nvSpPr>
+          <p:cNvPr id="4" name="슬라이드 번호 개체 틀 3"/>
+          <p:cNvSpPr>
+            <a:spLocks noGrp="1"/>
+          </p:cNvSpPr>
+          <p:nvPr>
+            <p:ph type="sldNum" sz="quarter" idx="12"/>
+          </p:nvPr>
+        </p:nvSpPr>
+        <p:spPr/>
+        <p:txBody>
+          <a:bodyPr/>
+          <a:lstStyle/>
+          <a:p>
+            <a:fld id="{1BDE3FE7-3AEA-4B05-AC5A-802D1816ACF0}" type="slidenum">
+              <a:rPr lang="ko-KR" altLang="en-US" smtClean="0"/>
+              <a:t>27</a:t>
+            </a:fld>
+            <a:endParaRPr lang="ko-KR" altLang="en-US"/>
+          </a:p>
+        </p:txBody>
+      </p:sp>
+      <p:sp>
+        <p:nvSpPr>
+          <p:cNvPr id="6" name="TextBox 5"/>
+          <p:cNvSpPr txBox="1"/>
+          <p:nvPr/>
+        </p:nvSpPr>
+        <p:spPr>
+          <a:xfrm>
+            <a:off x="971600" y="1196752"/>
+            <a:ext cx="5472608" cy="400110"/>
+          </a:xfrm>
+          <a:prstGeom prst="rect">
+            <a:avLst/>
+          </a:prstGeom>
+          <a:noFill/>
+        </p:spPr>
+        <p:txBody>
+          <a:bodyPr wrap="square" rtlCol="0">
+            <a:spAutoFit/>
+          </a:bodyPr>
+          <a:lstStyle/>
+          <a:p>
+            <a:r>
+              <a:rPr lang="ko-KR" altLang="en-US" sz="2000" b="1" dirty="0" smtClean="0"/>
+              <a:t>부</a:t>
+            </a:r>
+            <a:r>
+              <a:rPr lang="ko-KR" altLang="en-US" sz="2000" b="1" dirty="0"/>
+              <a:t>서</a:t>
+            </a:r>
+            <a:r>
+              <a:rPr lang="ko-KR" altLang="en-US" sz="2000" b="1" dirty="0" smtClean="0"/>
+              <a:t>와 직원 자료 추가</a:t>
+            </a:r>
+            <a:endParaRPr lang="ko-KR" altLang="en-US" sz="2000" b="1" dirty="0"/>
+          </a:p>
+        </p:txBody>
+      </p:sp>
+      <p:pic>
+        <p:nvPicPr>
+          <p:cNvPr id="3" name="그림 2"/>
+          <p:cNvPicPr>
+            <a:picLocks noChangeAspect="1"/>
+          </p:cNvPicPr>
+          <p:nvPr/>
+        </p:nvPicPr>
+        <p:blipFill>
+          <a:blip r:embed="rId2">
+            <a:extLst>
+              <a:ext uri="{28A0092B-C50C-407E-A947-70E740481C1C}">
+                <a14:useLocalDpi xmlns:a14="http://schemas.microsoft.com/office/drawing/2010/main" val="0"/>
+              </a:ext>
+            </a:extLst>
+          </a:blip>
+          <a:stretch>
+            <a:fillRect/>
+          </a:stretch>
+        </p:blipFill>
+        <p:spPr>
+          <a:xfrm>
+            <a:off x="1187624" y="1844824"/>
+            <a:ext cx="6386114" cy="2187130"/>
+          </a:xfrm>
+          <a:prstGeom prst="rect">
+            <a:avLst/>
+          </a:prstGeom>
+          <a:ln>
+            <a:solidFill>
+              <a:schemeClr val="bg1">
+                <a:lumMod val="85000"/>
+              </a:schemeClr>
+            </a:solidFill>
+          </a:ln>
+        </p:spPr>
+      </p:pic>
+      <p:pic>
+        <p:nvPicPr>
+          <p:cNvPr id="12" name="그림 11"/>
+          <p:cNvPicPr>
+            <a:picLocks noChangeAspect="1"/>
+          </p:cNvPicPr>
+          <p:nvPr/>
+        </p:nvPicPr>
+        <p:blipFill>
+          <a:blip r:embed="rId3">
+            <a:extLst>
+              <a:ext uri="{28A0092B-C50C-407E-A947-70E740481C1C}">
+                <a14:useLocalDpi xmlns:a14="http://schemas.microsoft.com/office/drawing/2010/main" val="0"/>
+              </a:ext>
+            </a:extLst>
+          </a:blip>
+          <a:stretch>
+            <a:fillRect/>
+          </a:stretch>
+        </p:blipFill>
+        <p:spPr>
+          <a:xfrm>
+            <a:off x="1187625" y="4293096"/>
+            <a:ext cx="6386114" cy="1032648"/>
+          </a:xfrm>
+          <a:prstGeom prst="rect">
+            <a:avLst/>
+          </a:prstGeom>
+          <a:ln>
+            <a:solidFill>
+              <a:schemeClr val="bg1">
+                <a:lumMod val="85000"/>
+              </a:schemeClr>
+            </a:solidFill>
+          </a:ln>
+        </p:spPr>
+      </p:pic>
+    </p:spTree>
+    <p:extLst>
+      <p:ext uri="{BB962C8B-B14F-4D97-AF65-F5344CB8AC3E}">
+        <p14:creationId xmlns:p14="http://schemas.microsoft.com/office/powerpoint/2010/main" val="3238638085"/>
+      </p:ext>
+    </p:extLst>
+  </p:cSld>
+  <p:clrMapOvr>
+    <a:masterClrMapping/>
+  </p:clrMapOvr>
+  <p:timing>
+    <p:tnLst>
+      <p:par>
+        <p:cTn id="1" dur="indefinite" restart="never" nodeType="tmRoot"/>
+      </p:par>
+    </p:tnLst>
+  </p:timing>
+</p:sld>
+</file>
+
+<file path=ppt/slides/slide28.xml><?xml version="1.0" encoding="utf-8"?>
+<p:sld xmlns:a="http://schemas.openxmlformats.org/drawingml/2006/main" xmlns:r="http://schemas.openxmlformats.org/officeDocument/2006/relationships" xmlns:p="http://schemas.openxmlformats.org/presentationml/2006/main">
+  <p:cSld>
+    <p:spTree>
+      <p:nvGrpSpPr>
+        <p:cNvPr id="1" name=""/>
+        <p:cNvGrpSpPr/>
+        <p:nvPr/>
+      </p:nvGrpSpPr>
+      <p:grpSpPr>
+        <a:xfrm>
+          <a:off x="0" y="0"/>
+          <a:ext cx="0" cy="0"/>
+          <a:chOff x="0" y="0"/>
+          <a:chExt cx="0" cy="0"/>
+        </a:xfrm>
+      </p:grpSpPr>
+      <p:sp>
+        <p:nvSpPr>
+          <p:cNvPr id="2" name="제목 1"/>
+          <p:cNvSpPr>
+            <a:spLocks noGrp="1"/>
+          </p:cNvSpPr>
+          <p:nvPr>
+            <p:ph type="title"/>
+          </p:nvPr>
+        </p:nvSpPr>
+        <p:spPr/>
+        <p:txBody>
+          <a:bodyPr>
+            <a:normAutofit fontScale="90000"/>
+          </a:bodyPr>
+          <a:lstStyle/>
+          <a:p>
+            <a:r>
+              <a:rPr lang="en-US" altLang="ko-KR" dirty="0" smtClean="0"/>
+              <a:t> </a:t>
+            </a:r>
+            <a:r>
+              <a:rPr lang="ko-KR" altLang="en-US" dirty="0"/>
+              <a:t>관계</a:t>
+            </a:r>
+            <a:r>
+              <a:rPr lang="en-US" altLang="ko-KR" dirty="0"/>
+              <a:t>(</a:t>
+            </a:r>
+            <a:r>
+              <a:rPr lang="en-US" altLang="ko-KR" dirty="0" err="1"/>
+              <a:t>Releation</a:t>
+            </a:r>
+            <a:r>
+              <a:rPr lang="en-US" altLang="ko-KR" dirty="0"/>
+              <a:t>) </a:t>
+            </a:r>
+            <a:r>
+              <a:rPr lang="en-US" altLang="ko-KR" dirty="0" smtClean="0"/>
+              <a:t>– </a:t>
+            </a:r>
+            <a:r>
+              <a:rPr lang="ko-KR" altLang="en-US" dirty="0" err="1" smtClean="0"/>
+              <a:t>외래키</a:t>
+            </a:r>
+            <a:r>
+              <a:rPr lang="ko-KR" altLang="en-US" dirty="0" smtClean="0"/>
+              <a:t> 제약</a:t>
+            </a:r>
+            <a:endParaRPr lang="ko-KR" altLang="en-US" dirty="0"/>
+          </a:p>
+        </p:txBody>
+      </p:sp>
+      <p:sp>
+        <p:nvSpPr>
+          <p:cNvPr id="4" name="슬라이드 번호 개체 틀 3"/>
+          <p:cNvSpPr>
+            <a:spLocks noGrp="1"/>
+          </p:cNvSpPr>
+          <p:nvPr>
+            <p:ph type="sldNum" sz="quarter" idx="12"/>
+          </p:nvPr>
+        </p:nvSpPr>
+        <p:spPr/>
+        <p:txBody>
+          <a:bodyPr/>
+          <a:lstStyle/>
+          <a:p>
+            <a:fld id="{1BDE3FE7-3AEA-4B05-AC5A-802D1816ACF0}" type="slidenum">
+              <a:rPr lang="ko-KR" altLang="en-US" smtClean="0"/>
+              <a:t>28</a:t>
+            </a:fld>
+            <a:endParaRPr lang="ko-KR" altLang="en-US"/>
+          </a:p>
+        </p:txBody>
+      </p:sp>
+      <p:sp>
+        <p:nvSpPr>
+          <p:cNvPr id="6" name="TextBox 5"/>
+          <p:cNvSpPr txBox="1"/>
+          <p:nvPr/>
+        </p:nvSpPr>
+        <p:spPr>
+          <a:xfrm>
+            <a:off x="971600" y="1124744"/>
+            <a:ext cx="5472608" cy="400110"/>
+          </a:xfrm>
+          <a:prstGeom prst="rect">
+            <a:avLst/>
+          </a:prstGeom>
+          <a:noFill/>
+        </p:spPr>
+        <p:txBody>
+          <a:bodyPr wrap="square" rtlCol="0">
+            <a:spAutoFit/>
+          </a:bodyPr>
+          <a:lstStyle/>
+          <a:p>
+            <a:r>
+              <a:rPr lang="ko-KR" altLang="en-US" sz="2000" b="1" dirty="0" smtClean="0"/>
+              <a:t>부서 자료 삭제</a:t>
+            </a:r>
+            <a:endParaRPr lang="ko-KR" altLang="en-US" sz="2000" b="1" dirty="0"/>
+          </a:p>
+        </p:txBody>
+      </p:sp>
+      <p:pic>
+        <p:nvPicPr>
+          <p:cNvPr id="3" name="그림 2"/>
+          <p:cNvPicPr>
+            <a:picLocks noChangeAspect="1"/>
+          </p:cNvPicPr>
+          <p:nvPr/>
+        </p:nvPicPr>
+        <p:blipFill>
+          <a:blip r:embed="rId2">
+            <a:extLst>
+              <a:ext uri="{28A0092B-C50C-407E-A947-70E740481C1C}">
+                <a14:useLocalDpi xmlns:a14="http://schemas.microsoft.com/office/drawing/2010/main" val="0"/>
+              </a:ext>
+            </a:extLst>
+          </a:blip>
+          <a:stretch>
+            <a:fillRect/>
+          </a:stretch>
+        </p:blipFill>
+        <p:spPr>
+          <a:xfrm>
+            <a:off x="1043608" y="1628800"/>
+            <a:ext cx="7130758" cy="672046"/>
+          </a:xfrm>
+          <a:prstGeom prst="rect">
+            <a:avLst/>
+          </a:prstGeom>
+          <a:ln>
+            <a:solidFill>
+              <a:schemeClr val="bg1">
+                <a:lumMod val="85000"/>
+              </a:schemeClr>
+            </a:solidFill>
+          </a:ln>
+        </p:spPr>
+      </p:pic>
+      <p:pic>
+        <p:nvPicPr>
+          <p:cNvPr id="5" name="그림 4"/>
+          <p:cNvPicPr>
+            <a:picLocks noChangeAspect="1"/>
+          </p:cNvPicPr>
+          <p:nvPr/>
+        </p:nvPicPr>
+        <p:blipFill>
+          <a:blip r:embed="rId3">
+            <a:extLst>
+              <a:ext uri="{28A0092B-C50C-407E-A947-70E740481C1C}">
+                <a14:useLocalDpi xmlns:a14="http://schemas.microsoft.com/office/drawing/2010/main" val="0"/>
+              </a:ext>
+            </a:extLst>
+          </a:blip>
+          <a:stretch>
+            <a:fillRect/>
+          </a:stretch>
+        </p:blipFill>
+        <p:spPr>
+          <a:xfrm>
+            <a:off x="1057401" y="2563078"/>
+            <a:ext cx="7130758" cy="1078376"/>
+          </a:xfrm>
+          <a:prstGeom prst="rect">
+            <a:avLst/>
+          </a:prstGeom>
+          <a:ln>
+            <a:solidFill>
+              <a:schemeClr val="bg1">
+                <a:lumMod val="85000"/>
+              </a:schemeClr>
+            </a:solidFill>
+          </a:ln>
+        </p:spPr>
+      </p:pic>
+      <p:sp>
+        <p:nvSpPr>
+          <p:cNvPr id="12" name="TextBox 11"/>
+          <p:cNvSpPr txBox="1"/>
+          <p:nvPr/>
+        </p:nvSpPr>
+        <p:spPr>
+          <a:xfrm>
+            <a:off x="971600" y="3933055"/>
+            <a:ext cx="3096344" cy="369332"/>
+          </a:xfrm>
+          <a:prstGeom prst="rect">
+            <a:avLst/>
+          </a:prstGeom>
+          <a:noFill/>
+        </p:spPr>
+        <p:txBody>
+          <a:bodyPr wrap="square" rtlCol="0">
+            <a:spAutoFit/>
+          </a:bodyPr>
+          <a:lstStyle/>
+          <a:p>
+            <a:r>
+              <a:rPr lang="ko-KR" altLang="en-US" b="1" dirty="0" err="1" smtClean="0"/>
+              <a:t>외래키</a:t>
+            </a:r>
+            <a:r>
+              <a:rPr lang="ko-KR" altLang="en-US" b="1" dirty="0" smtClean="0"/>
+              <a:t> 제약 조건 삭제</a:t>
+            </a:r>
+            <a:endParaRPr lang="ko-KR" altLang="en-US" b="1" dirty="0"/>
+          </a:p>
+        </p:txBody>
+      </p:sp>
+      <p:pic>
+        <p:nvPicPr>
+          <p:cNvPr id="8" name="그림 7"/>
+          <p:cNvPicPr>
+            <a:picLocks noChangeAspect="1"/>
+          </p:cNvPicPr>
+          <p:nvPr/>
+        </p:nvPicPr>
+        <p:blipFill>
+          <a:blip r:embed="rId4">
+            <a:extLst>
+              <a:ext uri="{28A0092B-C50C-407E-A947-70E740481C1C}">
+                <a14:useLocalDpi xmlns:a14="http://schemas.microsoft.com/office/drawing/2010/main" val="0"/>
+              </a:ext>
+            </a:extLst>
+          </a:blip>
+          <a:stretch>
+            <a:fillRect/>
+          </a:stretch>
+        </p:blipFill>
+        <p:spPr>
+          <a:xfrm>
+            <a:off x="1057401" y="4365103"/>
+            <a:ext cx="4480949" cy="472481"/>
+          </a:xfrm>
+          <a:prstGeom prst="rect">
+            <a:avLst/>
+          </a:prstGeom>
+          <a:ln>
+            <a:solidFill>
+              <a:schemeClr val="bg1">
+                <a:lumMod val="85000"/>
+              </a:schemeClr>
+            </a:solidFill>
+          </a:ln>
+        </p:spPr>
+      </p:pic>
+      <p:sp>
+        <p:nvSpPr>
+          <p:cNvPr id="13" name="TextBox 12"/>
+          <p:cNvSpPr txBox="1"/>
+          <p:nvPr/>
+        </p:nvSpPr>
+        <p:spPr>
+          <a:xfrm>
+            <a:off x="971600" y="5013176"/>
+            <a:ext cx="3096344" cy="369332"/>
+          </a:xfrm>
+          <a:prstGeom prst="rect">
+            <a:avLst/>
+          </a:prstGeom>
+          <a:noFill/>
+        </p:spPr>
+        <p:txBody>
+          <a:bodyPr wrap="square" rtlCol="0">
+            <a:spAutoFit/>
+          </a:bodyPr>
+          <a:lstStyle/>
+          <a:p>
+            <a:r>
+              <a:rPr lang="ko-KR" altLang="en-US" b="1" dirty="0" smtClean="0"/>
+              <a:t>테이블 삭제</a:t>
+            </a:r>
+            <a:endParaRPr lang="ko-KR" altLang="en-US" b="1" dirty="0"/>
+          </a:p>
+        </p:txBody>
+      </p:sp>
+      <p:pic>
+        <p:nvPicPr>
+          <p:cNvPr id="9" name="그림 8"/>
+          <p:cNvPicPr>
+            <a:picLocks noChangeAspect="1"/>
+          </p:cNvPicPr>
+          <p:nvPr/>
+        </p:nvPicPr>
+        <p:blipFill>
+          <a:blip r:embed="rId5">
+            <a:extLst>
+              <a:ext uri="{28A0092B-C50C-407E-A947-70E740481C1C}">
+                <a14:useLocalDpi xmlns:a14="http://schemas.microsoft.com/office/drawing/2010/main" val="0"/>
+              </a:ext>
+            </a:extLst>
+          </a:blip>
+          <a:stretch>
+            <a:fillRect/>
+          </a:stretch>
+        </p:blipFill>
+        <p:spPr>
+          <a:xfrm>
+            <a:off x="1030221" y="5445224"/>
+            <a:ext cx="4508129" cy="650658"/>
+          </a:xfrm>
+          <a:prstGeom prst="rect">
+            <a:avLst/>
+          </a:prstGeom>
+          <a:ln>
+            <a:solidFill>
+              <a:schemeClr val="bg1">
+                <a:lumMod val="85000"/>
+              </a:schemeClr>
+            </a:solidFill>
+          </a:ln>
+        </p:spPr>
+      </p:pic>
+    </p:spTree>
+    <p:extLst>
+      <p:ext uri="{BB962C8B-B14F-4D97-AF65-F5344CB8AC3E}">
+        <p14:creationId xmlns:p14="http://schemas.microsoft.com/office/powerpoint/2010/main" val="2102848525"/>
       </p:ext>
     </p:extLst>
   </p:cSld>

--- a/DB_PPT/3장. select_join.pptx
+++ b/DB_PPT/3장. select_join.pptx
@@ -5,7 +5,7 @@
     <p:sldMasterId id="2147483648" r:id="rId1"/>
   </p:sldMasterIdLst>
   <p:notesMasterIdLst>
-    <p:notesMasterId r:id="rId30"/>
+    <p:notesMasterId r:id="rId26"/>
   </p:notesMasterIdLst>
   <p:sldIdLst>
     <p:sldId id="256" r:id="rId2"/>
@@ -32,10 +32,6 @@
     <p:sldId id="364" r:id="rId23"/>
     <p:sldId id="366" r:id="rId24"/>
     <p:sldId id="365" r:id="rId25"/>
-    <p:sldId id="371" r:id="rId26"/>
-    <p:sldId id="372" r:id="rId27"/>
-    <p:sldId id="373" r:id="rId28"/>
-    <p:sldId id="374" r:id="rId29"/>
   </p:sldIdLst>
   <p:sldSz cx="9144000" cy="6858000" type="screen4x3"/>
   <p:notesSz cx="6858000" cy="9144000"/>
@@ -235,7 +231,7 @@
           <a:p>
             <a:fld id="{7665CDAC-D627-4E87-877A-1B781DD4CADC}" type="datetimeFigureOut">
               <a:rPr lang="ko-KR" altLang="en-US" smtClean="0"/>
-              <a:t>2023-03-26</a:t>
+              <a:t>2023-04-02</a:t>
             </a:fld>
             <a:endParaRPr lang="ko-KR" altLang="en-US"/>
           </a:p>
@@ -1091,7 +1087,7 @@
           <a:p>
             <a:fld id="{E240FE80-3752-4C44-80B8-E31C3450070D}" type="datetime1">
               <a:rPr lang="ko-KR" altLang="en-US" smtClean="0"/>
-              <a:t>2023-03-26</a:t>
+              <a:t>2023-04-02</a:t>
             </a:fld>
             <a:endParaRPr lang="ko-KR" altLang="en-US"/>
           </a:p>
@@ -1271,7 +1267,7 @@
           <a:p>
             <a:fld id="{5FA88D13-428F-4553-BC93-2E91B1DA3F5C}" type="datetime1">
               <a:rPr lang="ko-KR" altLang="en-US" smtClean="0"/>
-              <a:t>2023-03-26</a:t>
+              <a:t>2023-04-02</a:t>
             </a:fld>
             <a:endParaRPr lang="ko-KR" altLang="en-US"/>
           </a:p>
@@ -1445,7 +1441,7 @@
           <a:p>
             <a:fld id="{4E9D4779-FB94-4D0A-9770-16BB460ADD4B}" type="datetime1">
               <a:rPr lang="ko-KR" altLang="en-US" smtClean="0"/>
-              <a:t>2023-03-26</a:t>
+              <a:t>2023-04-02</a:t>
             </a:fld>
             <a:endParaRPr lang="ko-KR" altLang="en-US"/>
           </a:p>
@@ -1691,7 +1687,7 @@
           <a:p>
             <a:fld id="{DD687F0D-089E-4098-8EE9-5721C76E52EC}" type="datetime1">
               <a:rPr lang="ko-KR" altLang="en-US" smtClean="0"/>
-              <a:t>2023-03-26</a:t>
+              <a:t>2023-04-02</a:t>
             </a:fld>
             <a:endParaRPr lang="ko-KR" altLang="en-US"/>
           </a:p>
@@ -1979,7 +1975,7 @@
           <a:p>
             <a:fld id="{09C650FE-E6B2-4D57-AAF6-1B2A37421AAD}" type="datetime1">
               <a:rPr lang="ko-KR" altLang="en-US" smtClean="0"/>
-              <a:t>2023-03-26</a:t>
+              <a:t>2023-04-02</a:t>
             </a:fld>
             <a:endParaRPr lang="ko-KR" altLang="en-US"/>
           </a:p>
@@ -2401,7 +2397,7 @@
           <a:p>
             <a:fld id="{E87F20C2-C949-4E4F-9580-FEE4F2DAC554}" type="datetime1">
               <a:rPr lang="ko-KR" altLang="en-US" smtClean="0"/>
-              <a:t>2023-03-26</a:t>
+              <a:t>2023-04-02</a:t>
             </a:fld>
             <a:endParaRPr lang="ko-KR" altLang="en-US"/>
           </a:p>
@@ -2519,7 +2515,7 @@
           <a:p>
             <a:fld id="{476DBFE0-70CA-4AA9-9C17-F02054822E7E}" type="datetime1">
               <a:rPr lang="ko-KR" altLang="en-US" smtClean="0"/>
-              <a:t>2023-03-26</a:t>
+              <a:t>2023-04-02</a:t>
             </a:fld>
             <a:endParaRPr lang="ko-KR" altLang="en-US"/>
           </a:p>
@@ -2614,7 +2610,7 @@
           <a:p>
             <a:fld id="{6DA84A72-C6AC-45C3-AE5A-9CF6D245353A}" type="datetime1">
               <a:rPr lang="ko-KR" altLang="en-US" smtClean="0"/>
-              <a:t>2023-03-26</a:t>
+              <a:t>2023-04-02</a:t>
             </a:fld>
             <a:endParaRPr lang="ko-KR" altLang="en-US"/>
           </a:p>
@@ -2891,7 +2887,7 @@
           <a:p>
             <a:fld id="{092D9E8D-7616-4FA8-9B12-88059974D499}" type="datetime1">
               <a:rPr lang="ko-KR" altLang="en-US" smtClean="0"/>
-              <a:t>2023-03-26</a:t>
+              <a:t>2023-04-02</a:t>
             </a:fld>
             <a:endParaRPr lang="ko-KR" altLang="en-US"/>
           </a:p>
@@ -3144,7 +3140,7 @@
           <a:p>
             <a:fld id="{79F4C3F6-B4DC-4E51-8609-BCC628ECDBF3}" type="datetime1">
               <a:rPr lang="ko-KR" altLang="en-US" smtClean="0"/>
-              <a:t>2023-03-26</a:t>
+              <a:t>2023-04-02</a:t>
             </a:fld>
             <a:endParaRPr lang="ko-KR" altLang="en-US"/>
           </a:p>
@@ -3324,7 +3320,7 @@
           <a:p>
             <a:fld id="{B2C4C586-F21B-48DD-B591-4B12E73E0749}" type="datetime1">
               <a:rPr lang="ko-KR" altLang="en-US" smtClean="0"/>
-              <a:t>2023-03-26</a:t>
+              <a:t>2023-04-02</a:t>
             </a:fld>
             <a:endParaRPr lang="ko-KR" altLang="en-US"/>
           </a:p>
@@ -11132,2094 +11128,6 @@
     <p:extLst>
       <p:ext uri="{BB962C8B-B14F-4D97-AF65-F5344CB8AC3E}">
         <p14:creationId xmlns:p14="http://schemas.microsoft.com/office/powerpoint/2010/main" val="4114599042"/>
-      </p:ext>
-    </p:extLst>
-  </p:cSld>
-  <p:clrMapOvr>
-    <a:masterClrMapping/>
-  </p:clrMapOvr>
-  <p:timing>
-    <p:tnLst>
-      <p:par>
-        <p:cTn id="1" dur="indefinite" restart="never" nodeType="tmRoot"/>
-      </p:par>
-    </p:tnLst>
-  </p:timing>
-</p:sld>
-</file>
-
-<file path=ppt/slides/slide25.xml><?xml version="1.0" encoding="utf-8"?>
-<p:sld xmlns:a="http://schemas.openxmlformats.org/drawingml/2006/main" xmlns:r="http://schemas.openxmlformats.org/officeDocument/2006/relationships" xmlns:p="http://schemas.openxmlformats.org/presentationml/2006/main">
-  <p:cSld>
-    <p:spTree>
-      <p:nvGrpSpPr>
-        <p:cNvPr id="1" name=""/>
-        <p:cNvGrpSpPr/>
-        <p:nvPr/>
-      </p:nvGrpSpPr>
-      <p:grpSpPr>
-        <a:xfrm>
-          <a:off x="0" y="0"/>
-          <a:ext cx="0" cy="0"/>
-          <a:chOff x="0" y="0"/>
-          <a:chExt cx="0" cy="0"/>
-        </a:xfrm>
-      </p:grpSpPr>
-      <p:sp>
-        <p:nvSpPr>
-          <p:cNvPr id="2" name="제목 1"/>
-          <p:cNvSpPr>
-            <a:spLocks noGrp="1"/>
-          </p:cNvSpPr>
-          <p:nvPr>
-            <p:ph type="title"/>
-          </p:nvPr>
-        </p:nvSpPr>
-        <p:spPr>
-          <a:xfrm>
-            <a:off x="68912" y="-9940"/>
-            <a:ext cx="3993307" cy="854968"/>
-          </a:xfrm>
-        </p:spPr>
-        <p:txBody>
-          <a:bodyPr/>
-          <a:lstStyle/>
-          <a:p>
-            <a:r>
-              <a:rPr lang="en-US" altLang="ko-KR" dirty="0" smtClean="0"/>
-              <a:t> </a:t>
-            </a:r>
-            <a:r>
-              <a:rPr lang="ko-KR" altLang="en-US" dirty="0" smtClean="0"/>
-              <a:t>관계</a:t>
-            </a:r>
-            <a:r>
-              <a:rPr lang="en-US" altLang="ko-KR" dirty="0" smtClean="0"/>
-              <a:t>(</a:t>
-            </a:r>
-            <a:r>
-              <a:rPr lang="en-US" altLang="ko-KR" dirty="0" err="1" smtClean="0"/>
-              <a:t>Releation</a:t>
-            </a:r>
-            <a:r>
-              <a:rPr lang="en-US" altLang="ko-KR" dirty="0" smtClean="0"/>
-              <a:t>)</a:t>
-            </a:r>
-            <a:endParaRPr lang="ko-KR" altLang="en-US" dirty="0"/>
-          </a:p>
-        </p:txBody>
-      </p:sp>
-      <p:sp>
-        <p:nvSpPr>
-          <p:cNvPr id="4" name="슬라이드 번호 개체 틀 3"/>
-          <p:cNvSpPr>
-            <a:spLocks noGrp="1"/>
-          </p:cNvSpPr>
-          <p:nvPr>
-            <p:ph type="sldNum" sz="quarter" idx="12"/>
-          </p:nvPr>
-        </p:nvSpPr>
-        <p:spPr/>
-        <p:txBody>
-          <a:bodyPr/>
-          <a:lstStyle/>
-          <a:p>
-            <a:fld id="{1BDE3FE7-3AEA-4B05-AC5A-802D1816ACF0}" type="slidenum">
-              <a:rPr lang="ko-KR" altLang="en-US" smtClean="0"/>
-              <a:t>25</a:t>
-            </a:fld>
-            <a:endParaRPr lang="ko-KR" altLang="en-US"/>
-          </a:p>
-        </p:txBody>
-      </p:sp>
-      <p:sp>
-        <p:nvSpPr>
-          <p:cNvPr id="6" name="TextBox 5"/>
-          <p:cNvSpPr txBox="1"/>
-          <p:nvPr/>
-        </p:nvSpPr>
-        <p:spPr>
-          <a:xfrm>
-            <a:off x="611560" y="1124744"/>
-            <a:ext cx="8064896" cy="923330"/>
-          </a:xfrm>
-          <a:prstGeom prst="rect">
-            <a:avLst/>
-          </a:prstGeom>
-          <a:noFill/>
-        </p:spPr>
-        <p:txBody>
-          <a:bodyPr wrap="square" rtlCol="0">
-            <a:spAutoFit/>
-          </a:bodyPr>
-          <a:lstStyle/>
-          <a:p>
-            <a:pPr>
-              <a:lnSpc>
-                <a:spcPct val="150000"/>
-              </a:lnSpc>
-            </a:pPr>
-            <a:r>
-              <a:rPr lang="ko-KR" altLang="en-US" dirty="0" smtClean="0">
-                <a:solidFill>
-                  <a:srgbClr val="C00000"/>
-                </a:solidFill>
-              </a:rPr>
-              <a:t>   </a:t>
-            </a:r>
-            <a:r>
-              <a:rPr lang="ko-KR" altLang="en-US" b="1" dirty="0" err="1" smtClean="0">
-                <a:solidFill>
-                  <a:srgbClr val="C00000"/>
-                </a:solidFill>
-              </a:rPr>
-              <a:t>외래키</a:t>
-            </a:r>
-            <a:r>
-              <a:rPr lang="en-US" altLang="ko-KR" b="1" dirty="0" smtClean="0">
-                <a:solidFill>
-                  <a:srgbClr val="C00000"/>
-                </a:solidFill>
-              </a:rPr>
-              <a:t>(FK : Foreign Key)</a:t>
-            </a:r>
-          </a:p>
-          <a:p>
-            <a:pPr>
-              <a:lnSpc>
-                <a:spcPct val="150000"/>
-              </a:lnSpc>
-            </a:pPr>
-            <a:r>
-              <a:rPr lang="en-US" altLang="ko-KR" dirty="0">
-                <a:solidFill>
-                  <a:srgbClr val="C00000"/>
-                </a:solidFill>
-              </a:rPr>
-              <a:t> </a:t>
-            </a:r>
-            <a:r>
-              <a:rPr lang="en-US" altLang="ko-KR" dirty="0" smtClean="0">
-                <a:solidFill>
-                  <a:srgbClr val="C00000"/>
-                </a:solidFill>
-              </a:rPr>
-              <a:t>   </a:t>
-            </a:r>
-            <a:r>
-              <a:rPr lang="en-US" altLang="ko-KR" dirty="0" smtClean="0"/>
-              <a:t>- </a:t>
-            </a:r>
-            <a:r>
-              <a:rPr lang="ko-KR" altLang="en-US" dirty="0" smtClean="0"/>
-              <a:t>특정 테이블에 포함되어 있으면서 다른 테이블의 </a:t>
-            </a:r>
-            <a:r>
-              <a:rPr lang="ko-KR" altLang="en-US" dirty="0" err="1" smtClean="0"/>
-              <a:t>기본키로</a:t>
-            </a:r>
-            <a:r>
-              <a:rPr lang="ko-KR" altLang="en-US" dirty="0" smtClean="0"/>
-              <a:t> 지정된 키</a:t>
-            </a:r>
-            <a:endParaRPr lang="en-US" altLang="ko-KR" dirty="0" smtClean="0"/>
-          </a:p>
-        </p:txBody>
-      </p:sp>
-      <p:graphicFrame>
-        <p:nvGraphicFramePr>
-          <p:cNvPr id="5" name="내용 개체 틀 4"/>
-          <p:cNvGraphicFramePr>
-            <a:graphicFrameLocks/>
-          </p:cNvGraphicFramePr>
-          <p:nvPr>
-            <p:extLst/>
-          </p:nvPr>
-        </p:nvGraphicFramePr>
-        <p:xfrm>
-          <a:off x="2062798" y="4192488"/>
-          <a:ext cx="4640520" cy="1818640"/>
-        </p:xfrm>
-        <a:graphic>
-          <a:graphicData uri="http://schemas.openxmlformats.org/drawingml/2006/table">
-            <a:tbl>
-              <a:tblPr firstRow="1">
-                <a:tableStyleId>{5C22544A-7EE6-4342-B048-85BDC9FD1C3A}</a:tableStyleId>
-              </a:tblPr>
-              <a:tblGrid>
-                <a:gridCol w="1080122">
-                  <a:extLst>
-                    <a:ext uri="{9D8B030D-6E8A-4147-A177-3AD203B41FA5}">
-                      <a16:colId xmlns:a16="http://schemas.microsoft.com/office/drawing/2014/main" val="20000"/>
-                    </a:ext>
-                  </a:extLst>
-                </a:gridCol>
-                <a:gridCol w="1152128">
-                  <a:extLst>
-                    <a:ext uri="{9D8B030D-6E8A-4147-A177-3AD203B41FA5}">
-                      <a16:colId xmlns:a16="http://schemas.microsoft.com/office/drawing/2014/main" val="20001"/>
-                    </a:ext>
-                  </a:extLst>
-                </a:gridCol>
-                <a:gridCol w="1204135">
-                  <a:extLst>
-                    <a:ext uri="{9D8B030D-6E8A-4147-A177-3AD203B41FA5}">
-                      <a16:colId xmlns:a16="http://schemas.microsoft.com/office/drawing/2014/main" val="20003"/>
-                    </a:ext>
-                  </a:extLst>
-                </a:gridCol>
-                <a:gridCol w="1204135">
-                  <a:extLst>
-                    <a:ext uri="{9D8B030D-6E8A-4147-A177-3AD203B41FA5}">
-                      <a16:colId xmlns:a16="http://schemas.microsoft.com/office/drawing/2014/main" val="20004"/>
-                    </a:ext>
-                  </a:extLst>
-                </a:gridCol>
-              </a:tblGrid>
-              <a:tr h="0">
-                <a:tc>
-                  <a:txBody>
-                    <a:bodyPr/>
-                    <a:lstStyle/>
-                    <a:p>
-                      <a:pPr algn="ctr" latinLnBrk="1"/>
-                      <a:r>
-                        <a:rPr lang="ko-KR" altLang="en-US" sz="1600" dirty="0" smtClean="0"/>
-                        <a:t>사원 번호</a:t>
-                      </a:r>
-                      <a:endParaRPr lang="ko-KR" altLang="en-US" sz="1600" dirty="0"/>
-                    </a:p>
-                  </a:txBody>
-                  <a:tcPr anchor="ctr"/>
-                </a:tc>
-                <a:tc>
-                  <a:txBody>
-                    <a:bodyPr/>
-                    <a:lstStyle/>
-                    <a:p>
-                      <a:pPr algn="ctr" latinLnBrk="1"/>
-                      <a:r>
-                        <a:rPr lang="ko-KR" altLang="en-US" sz="1600" dirty="0" smtClean="0"/>
-                        <a:t>사원 이름</a:t>
-                      </a:r>
-                      <a:endParaRPr lang="ko-KR" altLang="en-US" sz="1600" dirty="0"/>
-                    </a:p>
-                  </a:txBody>
-                  <a:tcPr anchor="ctr"/>
-                </a:tc>
-                <a:tc>
-                  <a:txBody>
-                    <a:bodyPr/>
-                    <a:lstStyle/>
-                    <a:p>
-                      <a:pPr algn="ctr" latinLnBrk="1"/>
-                      <a:r>
-                        <a:rPr lang="ko-KR" altLang="en-US" sz="1600" dirty="0" smtClean="0"/>
-                        <a:t>나이</a:t>
-                      </a:r>
-                      <a:endParaRPr lang="ko-KR" altLang="en-US" sz="1600" dirty="0"/>
-                    </a:p>
-                  </a:txBody>
-                  <a:tcPr anchor="ctr"/>
-                </a:tc>
-                <a:tc>
-                  <a:txBody>
-                    <a:bodyPr/>
-                    <a:lstStyle/>
-                    <a:p>
-                      <a:pPr algn="ctr" latinLnBrk="1"/>
-                      <a:r>
-                        <a:rPr lang="ko-KR" altLang="en-US" sz="1600" dirty="0" smtClean="0"/>
-                        <a:t>부서코드</a:t>
-                      </a:r>
-                      <a:endParaRPr lang="ko-KR" altLang="en-US" sz="1600" dirty="0"/>
-                    </a:p>
-                  </a:txBody>
-                  <a:tcPr anchor="ctr"/>
-                </a:tc>
-                <a:extLst>
-                  <a:ext uri="{0D108BD9-81ED-4DB2-BD59-A6C34878D82A}">
-                    <a16:rowId xmlns:a16="http://schemas.microsoft.com/office/drawing/2014/main" val="10000"/>
-                  </a:ext>
-                </a:extLst>
-              </a:tr>
-              <a:tr h="370840">
-                <a:tc>
-                  <a:txBody>
-                    <a:bodyPr/>
-                    <a:lstStyle/>
-                    <a:p>
-                      <a:pPr algn="ctr" latinLnBrk="1"/>
-                      <a:r>
-                        <a:rPr lang="en-US" altLang="ko-KR" sz="1600" dirty="0" smtClean="0"/>
-                        <a:t>501</a:t>
-                      </a:r>
-                      <a:endParaRPr lang="ko-KR" altLang="en-US" sz="1600" dirty="0"/>
-                    </a:p>
-                  </a:txBody>
-                  <a:tcPr anchor="ctr"/>
-                </a:tc>
-                <a:tc>
-                  <a:txBody>
-                    <a:bodyPr/>
-                    <a:lstStyle/>
-                    <a:p>
-                      <a:pPr algn="ctr" latinLnBrk="1"/>
-                      <a:r>
-                        <a:rPr lang="ko-KR" altLang="en-US" sz="1600" dirty="0" err="1" smtClean="0"/>
-                        <a:t>이강</a:t>
-                      </a:r>
-                      <a:endParaRPr lang="ko-KR" altLang="en-US" sz="1600" dirty="0"/>
-                    </a:p>
-                  </a:txBody>
-                  <a:tcPr anchor="ctr"/>
-                </a:tc>
-                <a:tc>
-                  <a:txBody>
-                    <a:bodyPr/>
-                    <a:lstStyle/>
-                    <a:p>
-                      <a:pPr algn="ctr" latinLnBrk="1"/>
-                      <a:r>
-                        <a:rPr lang="en-US" altLang="ko-KR" sz="1600" dirty="0" smtClean="0"/>
-                        <a:t>23</a:t>
-                      </a:r>
-                      <a:endParaRPr lang="ko-KR" altLang="en-US" sz="1600" dirty="0"/>
-                    </a:p>
-                  </a:txBody>
-                  <a:tcPr anchor="ctr"/>
-                </a:tc>
-                <a:tc>
-                  <a:txBody>
-                    <a:bodyPr/>
-                    <a:lstStyle/>
-                    <a:p>
-                      <a:pPr algn="ctr" latinLnBrk="1"/>
-                      <a:r>
-                        <a:rPr lang="en-US" altLang="ko-KR" sz="1600" dirty="0" smtClean="0"/>
-                        <a:t>10</a:t>
-                      </a:r>
-                      <a:endParaRPr lang="ko-KR" altLang="en-US" sz="1600" dirty="0"/>
-                    </a:p>
-                  </a:txBody>
-                  <a:tcPr anchor="ctr"/>
-                </a:tc>
-                <a:extLst>
-                  <a:ext uri="{0D108BD9-81ED-4DB2-BD59-A6C34878D82A}">
-                    <a16:rowId xmlns:a16="http://schemas.microsoft.com/office/drawing/2014/main" val="10001"/>
-                  </a:ext>
-                </a:extLst>
-              </a:tr>
-              <a:tr h="370840">
-                <a:tc>
-                  <a:txBody>
-                    <a:bodyPr/>
-                    <a:lstStyle/>
-                    <a:p>
-                      <a:pPr algn="ctr" latinLnBrk="1"/>
-                      <a:r>
-                        <a:rPr lang="en-US" altLang="ko-KR" sz="1600" dirty="0" smtClean="0"/>
-                        <a:t>502</a:t>
-                      </a:r>
-                      <a:endParaRPr lang="ko-KR" altLang="en-US" sz="1600" dirty="0"/>
-                    </a:p>
-                  </a:txBody>
-                  <a:tcPr anchor="ctr"/>
-                </a:tc>
-                <a:tc>
-                  <a:txBody>
-                    <a:bodyPr/>
-                    <a:lstStyle/>
-                    <a:p>
-                      <a:pPr algn="ctr" latinLnBrk="1"/>
-                      <a:r>
-                        <a:rPr lang="ko-KR" altLang="en-US" sz="1600" dirty="0" err="1" smtClean="0"/>
-                        <a:t>김산</a:t>
-                      </a:r>
-                      <a:endParaRPr lang="ko-KR" altLang="en-US" sz="1600" dirty="0"/>
-                    </a:p>
-                  </a:txBody>
-                  <a:tcPr anchor="ctr"/>
-                </a:tc>
-                <a:tc>
-                  <a:txBody>
-                    <a:bodyPr/>
-                    <a:lstStyle/>
-                    <a:p>
-                      <a:pPr algn="ctr" latinLnBrk="1"/>
-                      <a:r>
-                        <a:rPr lang="en-US" altLang="ko-KR" sz="1600" dirty="0" smtClean="0"/>
-                        <a:t>24</a:t>
-                      </a:r>
-                      <a:endParaRPr lang="ko-KR" altLang="en-US" sz="1600" dirty="0"/>
-                    </a:p>
-                  </a:txBody>
-                  <a:tcPr anchor="ctr"/>
-                </a:tc>
-                <a:tc>
-                  <a:txBody>
-                    <a:bodyPr/>
-                    <a:lstStyle/>
-                    <a:p>
-                      <a:pPr algn="ctr" latinLnBrk="1"/>
-                      <a:r>
-                        <a:rPr lang="en-US" altLang="ko-KR" sz="1600" dirty="0" smtClean="0"/>
-                        <a:t>20</a:t>
-                      </a:r>
-                      <a:endParaRPr lang="ko-KR" altLang="en-US" sz="1600" dirty="0"/>
-                    </a:p>
-                  </a:txBody>
-                  <a:tcPr anchor="ctr"/>
-                </a:tc>
-                <a:extLst>
-                  <a:ext uri="{0D108BD9-81ED-4DB2-BD59-A6C34878D82A}">
-                    <a16:rowId xmlns:a16="http://schemas.microsoft.com/office/drawing/2014/main" val="10002"/>
-                  </a:ext>
-                </a:extLst>
-              </a:tr>
-              <a:tr h="370840">
-                <a:tc>
-                  <a:txBody>
-                    <a:bodyPr/>
-                    <a:lstStyle/>
-                    <a:p>
-                      <a:pPr algn="ctr" latinLnBrk="1"/>
-                      <a:r>
-                        <a:rPr lang="en-US" altLang="ko-KR" sz="1600" dirty="0" smtClean="0"/>
-                        <a:t>503</a:t>
-                      </a:r>
-                      <a:endParaRPr lang="ko-KR" altLang="en-US" sz="1600" dirty="0"/>
-                    </a:p>
-                  </a:txBody>
-                  <a:tcPr anchor="ctr"/>
-                </a:tc>
-                <a:tc>
-                  <a:txBody>
-                    <a:bodyPr/>
-                    <a:lstStyle/>
-                    <a:p>
-                      <a:pPr algn="ctr" latinLnBrk="1"/>
-                      <a:r>
-                        <a:rPr lang="ko-KR" altLang="en-US" sz="1600" dirty="0" smtClean="0"/>
-                        <a:t>남한강</a:t>
-                      </a:r>
-                      <a:endParaRPr lang="ko-KR" altLang="en-US" sz="1600" dirty="0"/>
-                    </a:p>
-                  </a:txBody>
-                  <a:tcPr anchor="ctr"/>
-                </a:tc>
-                <a:tc>
-                  <a:txBody>
-                    <a:bodyPr/>
-                    <a:lstStyle/>
-                    <a:p>
-                      <a:pPr algn="ctr" latinLnBrk="1"/>
-                      <a:r>
-                        <a:rPr lang="en-US" altLang="ko-KR" sz="1600" dirty="0" smtClean="0"/>
-                        <a:t>31</a:t>
-                      </a:r>
-                      <a:endParaRPr lang="ko-KR" altLang="en-US" sz="1600" dirty="0"/>
-                    </a:p>
-                  </a:txBody>
-                  <a:tcPr anchor="ctr"/>
-                </a:tc>
-                <a:tc>
-                  <a:txBody>
-                    <a:bodyPr/>
-                    <a:lstStyle/>
-                    <a:p>
-                      <a:pPr algn="ctr" latinLnBrk="1"/>
-                      <a:r>
-                        <a:rPr lang="en-US" altLang="ko-KR" sz="1600" dirty="0" smtClean="0"/>
-                        <a:t>10</a:t>
-                      </a:r>
-                      <a:endParaRPr lang="ko-KR" altLang="en-US" sz="1600" dirty="0"/>
-                    </a:p>
-                  </a:txBody>
-                  <a:tcPr anchor="ctr"/>
-                </a:tc>
-                <a:extLst>
-                  <a:ext uri="{0D108BD9-81ED-4DB2-BD59-A6C34878D82A}">
-                    <a16:rowId xmlns:a16="http://schemas.microsoft.com/office/drawing/2014/main" val="10003"/>
-                  </a:ext>
-                </a:extLst>
-              </a:tr>
-              <a:tr h="370840">
-                <a:tc>
-                  <a:txBody>
-                    <a:bodyPr/>
-                    <a:lstStyle/>
-                    <a:p>
-                      <a:pPr algn="ctr" latinLnBrk="1"/>
-                      <a:r>
-                        <a:rPr lang="en-US" altLang="ko-KR" sz="1600" dirty="0" smtClean="0"/>
-                        <a:t>504</a:t>
-                      </a:r>
-                      <a:endParaRPr lang="ko-KR" altLang="en-US" sz="1600" dirty="0"/>
-                    </a:p>
-                  </a:txBody>
-                  <a:tcPr anchor="ctr"/>
-                </a:tc>
-                <a:tc>
-                  <a:txBody>
-                    <a:bodyPr/>
-                    <a:lstStyle/>
-                    <a:p>
-                      <a:pPr algn="ctr" latinLnBrk="1"/>
-                      <a:r>
-                        <a:rPr lang="ko-KR" altLang="en-US" sz="1600" dirty="0" smtClean="0"/>
-                        <a:t>북한강</a:t>
-                      </a:r>
-                      <a:endParaRPr lang="ko-KR" altLang="en-US" sz="1600" dirty="0"/>
-                    </a:p>
-                  </a:txBody>
-                  <a:tcPr anchor="ctr"/>
-                </a:tc>
-                <a:tc>
-                  <a:txBody>
-                    <a:bodyPr/>
-                    <a:lstStyle/>
-                    <a:p>
-                      <a:pPr algn="ctr" latinLnBrk="1"/>
-                      <a:r>
-                        <a:rPr lang="en-US" altLang="ko-KR" sz="1600" dirty="0" smtClean="0"/>
-                        <a:t>35</a:t>
-                      </a:r>
-                      <a:endParaRPr lang="ko-KR" altLang="en-US" sz="1600" dirty="0"/>
-                    </a:p>
-                  </a:txBody>
-                  <a:tcPr anchor="ctr"/>
-                </a:tc>
-                <a:tc>
-                  <a:txBody>
-                    <a:bodyPr/>
-                    <a:lstStyle/>
-                    <a:p>
-                      <a:pPr algn="ctr" latinLnBrk="1"/>
-                      <a:r>
-                        <a:rPr lang="en-US" altLang="ko-KR" sz="1600" dirty="0" smtClean="0"/>
-                        <a:t>20</a:t>
-                      </a:r>
-                      <a:endParaRPr lang="ko-KR" altLang="en-US" sz="1600" dirty="0"/>
-                    </a:p>
-                  </a:txBody>
-                  <a:tcPr anchor="ctr"/>
-                </a:tc>
-                <a:extLst>
-                  <a:ext uri="{0D108BD9-81ED-4DB2-BD59-A6C34878D82A}">
-                    <a16:rowId xmlns:a16="http://schemas.microsoft.com/office/drawing/2014/main" val="10004"/>
-                  </a:ext>
-                </a:extLst>
-              </a:tr>
-            </a:tbl>
-          </a:graphicData>
-        </a:graphic>
-      </p:graphicFrame>
-      <p:sp>
-        <p:nvSpPr>
-          <p:cNvPr id="7" name="모서리가 둥근 직사각형 6"/>
-          <p:cNvSpPr/>
-          <p:nvPr/>
-        </p:nvSpPr>
-        <p:spPr>
-          <a:xfrm>
-            <a:off x="5535802" y="4077072"/>
-            <a:ext cx="1080120" cy="2088232"/>
-          </a:xfrm>
-          <a:prstGeom prst="roundRect">
-            <a:avLst/>
-          </a:prstGeom>
-          <a:noFill/>
-          <a:ln w="19050">
-            <a:solidFill>
-              <a:srgbClr val="C00000"/>
-            </a:solidFill>
-          </a:ln>
-        </p:spPr>
-        <p:style>
-          <a:lnRef idx="2">
-            <a:schemeClr val="accent1">
-              <a:shade val="50000"/>
-            </a:schemeClr>
-          </a:lnRef>
-          <a:fillRef idx="1">
-            <a:schemeClr val="accent1"/>
-          </a:fillRef>
-          <a:effectRef idx="0">
-            <a:schemeClr val="accent1"/>
-          </a:effectRef>
-          <a:fontRef idx="minor">
-            <a:schemeClr val="lt1"/>
-          </a:fontRef>
-        </p:style>
-        <p:txBody>
-          <a:bodyPr rtlCol="0" anchor="ctr"/>
-          <a:lstStyle/>
-          <a:p>
-            <a:pPr algn="ctr"/>
-            <a:endParaRPr lang="ko-KR" altLang="en-US"/>
-          </a:p>
-        </p:txBody>
-      </p:sp>
-      <p:sp>
-        <p:nvSpPr>
-          <p:cNvPr id="11" name="모서리가 둥근 직사각형 10"/>
-          <p:cNvSpPr/>
-          <p:nvPr/>
-        </p:nvSpPr>
-        <p:spPr>
-          <a:xfrm>
-            <a:off x="2062797" y="4150464"/>
-            <a:ext cx="1080120" cy="1872208"/>
-          </a:xfrm>
-          <a:prstGeom prst="roundRect">
-            <a:avLst/>
-          </a:prstGeom>
-          <a:noFill/>
-          <a:ln w="19050">
-            <a:solidFill>
-              <a:srgbClr val="C00000"/>
-            </a:solidFill>
-          </a:ln>
-        </p:spPr>
-        <p:style>
-          <a:lnRef idx="2">
-            <a:schemeClr val="accent1">
-              <a:shade val="50000"/>
-            </a:schemeClr>
-          </a:lnRef>
-          <a:fillRef idx="1">
-            <a:schemeClr val="accent1"/>
-          </a:fillRef>
-          <a:effectRef idx="0">
-            <a:schemeClr val="accent1"/>
-          </a:effectRef>
-          <a:fontRef idx="minor">
-            <a:schemeClr val="lt1"/>
-          </a:fontRef>
-        </p:style>
-        <p:txBody>
-          <a:bodyPr rtlCol="0" anchor="ctr"/>
-          <a:lstStyle/>
-          <a:p>
-            <a:pPr algn="ctr"/>
-            <a:endParaRPr lang="ko-KR" altLang="en-US"/>
-          </a:p>
-        </p:txBody>
-      </p:sp>
-      <p:graphicFrame>
-        <p:nvGraphicFramePr>
-          <p:cNvPr id="16" name="내용 개체 틀 4"/>
-          <p:cNvGraphicFramePr>
-            <a:graphicFrameLocks/>
-          </p:cNvGraphicFramePr>
-          <p:nvPr>
-            <p:extLst/>
-          </p:nvPr>
-        </p:nvGraphicFramePr>
-        <p:xfrm>
-          <a:off x="2234507" y="2276873"/>
-          <a:ext cx="3511776" cy="1224137"/>
-        </p:xfrm>
-        <a:graphic>
-          <a:graphicData uri="http://schemas.openxmlformats.org/drawingml/2006/table">
-            <a:tbl>
-              <a:tblPr firstRow="1">
-                <a:tableStyleId>{5C22544A-7EE6-4342-B048-85BDC9FD1C3A}</a:tableStyleId>
-              </a:tblPr>
-              <a:tblGrid>
-                <a:gridCol w="1225038">
-                  <a:extLst>
-                    <a:ext uri="{9D8B030D-6E8A-4147-A177-3AD203B41FA5}">
-                      <a16:colId xmlns:a16="http://schemas.microsoft.com/office/drawing/2014/main" val="20000"/>
-                    </a:ext>
-                  </a:extLst>
-                </a:gridCol>
-                <a:gridCol w="1143369">
-                  <a:extLst>
-                    <a:ext uri="{9D8B030D-6E8A-4147-A177-3AD203B41FA5}">
-                      <a16:colId xmlns:a16="http://schemas.microsoft.com/office/drawing/2014/main" val="20001"/>
-                    </a:ext>
-                  </a:extLst>
-                </a:gridCol>
-                <a:gridCol w="1143369">
-                  <a:extLst>
-                    <a:ext uri="{9D8B030D-6E8A-4147-A177-3AD203B41FA5}">
-                      <a16:colId xmlns:a16="http://schemas.microsoft.com/office/drawing/2014/main" val="20002"/>
-                    </a:ext>
-                  </a:extLst>
-                </a:gridCol>
-              </a:tblGrid>
-              <a:tr h="381099">
-                <a:tc>
-                  <a:txBody>
-                    <a:bodyPr/>
-                    <a:lstStyle/>
-                    <a:p>
-                      <a:pPr algn="ctr" latinLnBrk="1"/>
-                      <a:r>
-                        <a:rPr lang="ko-KR" altLang="en-US" sz="1600" dirty="0" smtClean="0"/>
-                        <a:t>부서 코드</a:t>
-                      </a:r>
-                      <a:endParaRPr lang="ko-KR" altLang="en-US" sz="1600" dirty="0"/>
-                    </a:p>
-                  </a:txBody>
-                  <a:tcPr anchor="ctr"/>
-                </a:tc>
-                <a:tc>
-                  <a:txBody>
-                    <a:bodyPr/>
-                    <a:lstStyle/>
-                    <a:p>
-                      <a:pPr algn="ctr" latinLnBrk="1"/>
-                      <a:r>
-                        <a:rPr lang="ko-KR" altLang="en-US" sz="1600" dirty="0" smtClean="0"/>
-                        <a:t>부서 이름</a:t>
-                      </a:r>
-                      <a:endParaRPr lang="ko-KR" altLang="en-US" sz="1600" dirty="0"/>
-                    </a:p>
-                  </a:txBody>
-                  <a:tcPr anchor="ctr"/>
-                </a:tc>
-                <a:tc>
-                  <a:txBody>
-                    <a:bodyPr/>
-                    <a:lstStyle/>
-                    <a:p>
-                      <a:pPr algn="ctr" latinLnBrk="1"/>
-                      <a:r>
-                        <a:rPr lang="ko-KR" altLang="en-US" sz="1600" dirty="0" smtClean="0"/>
-                        <a:t>위치</a:t>
-                      </a:r>
-                      <a:endParaRPr lang="ko-KR" altLang="en-US" sz="1600" dirty="0"/>
-                    </a:p>
-                  </a:txBody>
-                  <a:tcPr anchor="ctr"/>
-                </a:tc>
-                <a:extLst>
-                  <a:ext uri="{0D108BD9-81ED-4DB2-BD59-A6C34878D82A}">
-                    <a16:rowId xmlns:a16="http://schemas.microsoft.com/office/drawing/2014/main" val="10000"/>
-                  </a:ext>
-                </a:extLst>
-              </a:tr>
-              <a:tr h="421519">
-                <a:tc>
-                  <a:txBody>
-                    <a:bodyPr/>
-                    <a:lstStyle/>
-                    <a:p>
-                      <a:pPr algn="ctr" latinLnBrk="1"/>
-                      <a:r>
-                        <a:rPr lang="en-US" altLang="ko-KR" sz="1600" dirty="0" smtClean="0"/>
-                        <a:t>10</a:t>
-                      </a:r>
-                      <a:endParaRPr lang="ko-KR" altLang="en-US" sz="1600" dirty="0"/>
-                    </a:p>
-                  </a:txBody>
-                  <a:tcPr anchor="ctr"/>
-                </a:tc>
-                <a:tc>
-                  <a:txBody>
-                    <a:bodyPr/>
-                    <a:lstStyle/>
-                    <a:p>
-                      <a:pPr algn="ctr" latinLnBrk="1"/>
-                      <a:r>
-                        <a:rPr lang="ko-KR" altLang="en-US" sz="1600" dirty="0" err="1" smtClean="0"/>
-                        <a:t>전산팀</a:t>
-                      </a:r>
-                      <a:endParaRPr lang="ko-KR" altLang="en-US" sz="1600" dirty="0"/>
-                    </a:p>
-                  </a:txBody>
-                  <a:tcPr anchor="ctr"/>
-                </a:tc>
-                <a:tc>
-                  <a:txBody>
-                    <a:bodyPr/>
-                    <a:lstStyle/>
-                    <a:p>
-                      <a:pPr algn="ctr" latinLnBrk="1"/>
-                      <a:r>
-                        <a:rPr lang="ko-KR" altLang="en-US" sz="1600" dirty="0" smtClean="0"/>
-                        <a:t>서울</a:t>
-                      </a:r>
-                      <a:endParaRPr lang="ko-KR" altLang="en-US" sz="1600" dirty="0"/>
-                    </a:p>
-                  </a:txBody>
-                  <a:tcPr anchor="ctr"/>
-                </a:tc>
-                <a:extLst>
-                  <a:ext uri="{0D108BD9-81ED-4DB2-BD59-A6C34878D82A}">
-                    <a16:rowId xmlns:a16="http://schemas.microsoft.com/office/drawing/2014/main" val="10001"/>
-                  </a:ext>
-                </a:extLst>
-              </a:tr>
-              <a:tr h="421519">
-                <a:tc>
-                  <a:txBody>
-                    <a:bodyPr/>
-                    <a:lstStyle/>
-                    <a:p>
-                      <a:pPr algn="ctr" latinLnBrk="1"/>
-                      <a:r>
-                        <a:rPr lang="en-US" altLang="ko-KR" sz="1600" dirty="0" smtClean="0"/>
-                        <a:t>20</a:t>
-                      </a:r>
-                      <a:endParaRPr lang="ko-KR" altLang="en-US" sz="1600" dirty="0"/>
-                    </a:p>
-                  </a:txBody>
-                  <a:tcPr anchor="ctr"/>
-                </a:tc>
-                <a:tc>
-                  <a:txBody>
-                    <a:bodyPr/>
-                    <a:lstStyle/>
-                    <a:p>
-                      <a:pPr algn="ctr" latinLnBrk="1"/>
-                      <a:r>
-                        <a:rPr lang="ko-KR" altLang="en-US" sz="1600" dirty="0" err="1" smtClean="0"/>
-                        <a:t>총무팀</a:t>
-                      </a:r>
-                      <a:endParaRPr lang="ko-KR" altLang="en-US" sz="1600" dirty="0"/>
-                    </a:p>
-                  </a:txBody>
-                  <a:tcPr anchor="ctr"/>
-                </a:tc>
-                <a:tc>
-                  <a:txBody>
-                    <a:bodyPr/>
-                    <a:lstStyle/>
-                    <a:p>
-                      <a:pPr algn="ctr" latinLnBrk="1"/>
-                      <a:r>
-                        <a:rPr lang="ko-KR" altLang="en-US" sz="1600" dirty="0" smtClean="0"/>
-                        <a:t>인천</a:t>
-                      </a:r>
-                      <a:endParaRPr lang="ko-KR" altLang="en-US" sz="1600" dirty="0"/>
-                    </a:p>
-                  </a:txBody>
-                  <a:tcPr anchor="ctr"/>
-                </a:tc>
-                <a:extLst>
-                  <a:ext uri="{0D108BD9-81ED-4DB2-BD59-A6C34878D82A}">
-                    <a16:rowId xmlns:a16="http://schemas.microsoft.com/office/drawing/2014/main" val="10002"/>
-                  </a:ext>
-                </a:extLst>
-              </a:tr>
-            </a:tbl>
-          </a:graphicData>
-        </a:graphic>
-      </p:graphicFrame>
-      <p:sp>
-        <p:nvSpPr>
-          <p:cNvPr id="17" name="모서리가 둥근 직사각형 16"/>
-          <p:cNvSpPr/>
-          <p:nvPr/>
-        </p:nvSpPr>
-        <p:spPr>
-          <a:xfrm>
-            <a:off x="2198636" y="2204864"/>
-            <a:ext cx="1152128" cy="1512168"/>
-          </a:xfrm>
-          <a:prstGeom prst="roundRect">
-            <a:avLst/>
-          </a:prstGeom>
-          <a:noFill/>
-          <a:ln w="19050">
-            <a:solidFill>
-              <a:srgbClr val="C00000"/>
-            </a:solidFill>
-          </a:ln>
-        </p:spPr>
-        <p:style>
-          <a:lnRef idx="2">
-            <a:schemeClr val="accent1">
-              <a:shade val="50000"/>
-            </a:schemeClr>
-          </a:lnRef>
-          <a:fillRef idx="1">
-            <a:schemeClr val="accent1"/>
-          </a:fillRef>
-          <a:effectRef idx="0">
-            <a:schemeClr val="accent1"/>
-          </a:effectRef>
-          <a:fontRef idx="minor">
-            <a:schemeClr val="lt1"/>
-          </a:fontRef>
-        </p:style>
-        <p:txBody>
-          <a:bodyPr rtlCol="0" anchor="ctr"/>
-          <a:lstStyle/>
-          <a:p>
-            <a:pPr algn="ctr"/>
-            <a:endParaRPr lang="ko-KR" altLang="en-US"/>
-          </a:p>
-        </p:txBody>
-      </p:sp>
-      <p:sp>
-        <p:nvSpPr>
-          <p:cNvPr id="18" name="모서리가 둥근 직사각형 17"/>
-          <p:cNvSpPr/>
-          <p:nvPr/>
-        </p:nvSpPr>
-        <p:spPr>
-          <a:xfrm>
-            <a:off x="6466367" y="4689140"/>
-            <a:ext cx="1008109" cy="432048"/>
-          </a:xfrm>
-          <a:prstGeom prst="roundRect">
-            <a:avLst/>
-          </a:prstGeom>
-          <a:ln w="19050"/>
-        </p:spPr>
-        <p:style>
-          <a:lnRef idx="2">
-            <a:schemeClr val="dk1"/>
-          </a:lnRef>
-          <a:fillRef idx="1">
-            <a:schemeClr val="lt1"/>
-          </a:fillRef>
-          <a:effectRef idx="0">
-            <a:schemeClr val="dk1"/>
-          </a:effectRef>
-          <a:fontRef idx="minor">
-            <a:schemeClr val="dk1"/>
-          </a:fontRef>
-        </p:style>
-        <p:txBody>
-          <a:bodyPr rtlCol="0" anchor="ctr"/>
-          <a:lstStyle/>
-          <a:p>
-            <a:pPr algn="ctr"/>
-            <a:r>
-              <a:rPr lang="ko-KR" altLang="en-US" sz="1600" dirty="0" err="1" smtClean="0">
-                <a:solidFill>
-                  <a:schemeClr val="tx1"/>
-                </a:solidFill>
-              </a:rPr>
-              <a:t>외래키</a:t>
-            </a:r>
-            <a:endParaRPr lang="ko-KR" altLang="en-US" sz="1600" dirty="0">
-              <a:solidFill>
-                <a:schemeClr val="tx1"/>
-              </a:solidFill>
-            </a:endParaRPr>
-          </a:p>
-        </p:txBody>
-      </p:sp>
-      <p:sp>
-        <p:nvSpPr>
-          <p:cNvPr id="13" name="모서리가 둥근 직사각형 12"/>
-          <p:cNvSpPr/>
-          <p:nvPr/>
-        </p:nvSpPr>
-        <p:spPr>
-          <a:xfrm>
-            <a:off x="1406417" y="2758616"/>
-            <a:ext cx="1008109" cy="432048"/>
-          </a:xfrm>
-          <a:prstGeom prst="roundRect">
-            <a:avLst/>
-          </a:prstGeom>
-          <a:ln w="19050"/>
-        </p:spPr>
-        <p:style>
-          <a:lnRef idx="2">
-            <a:schemeClr val="dk1"/>
-          </a:lnRef>
-          <a:fillRef idx="1">
-            <a:schemeClr val="lt1"/>
-          </a:fillRef>
-          <a:effectRef idx="0">
-            <a:schemeClr val="dk1"/>
-          </a:effectRef>
-          <a:fontRef idx="minor">
-            <a:schemeClr val="dk1"/>
-          </a:fontRef>
-        </p:style>
-        <p:txBody>
-          <a:bodyPr rtlCol="0" anchor="ctr"/>
-          <a:lstStyle/>
-          <a:p>
-            <a:pPr algn="ctr"/>
-            <a:r>
-              <a:rPr lang="ko-KR" altLang="en-US" sz="1600" smtClean="0">
-                <a:solidFill>
-                  <a:schemeClr val="tx1"/>
-                </a:solidFill>
-              </a:rPr>
-              <a:t>기본키</a:t>
-            </a:r>
-            <a:endParaRPr lang="ko-KR" altLang="en-US" sz="1600" dirty="0">
-              <a:solidFill>
-                <a:schemeClr val="tx1"/>
-              </a:solidFill>
-            </a:endParaRPr>
-          </a:p>
-        </p:txBody>
-      </p:sp>
-      <p:sp>
-        <p:nvSpPr>
-          <p:cNvPr id="19" name="모서리가 둥근 직사각형 18"/>
-          <p:cNvSpPr/>
-          <p:nvPr/>
-        </p:nvSpPr>
-        <p:spPr>
-          <a:xfrm>
-            <a:off x="1281791" y="4857120"/>
-            <a:ext cx="1008109" cy="432048"/>
-          </a:xfrm>
-          <a:prstGeom prst="roundRect">
-            <a:avLst/>
-          </a:prstGeom>
-          <a:ln w="19050"/>
-        </p:spPr>
-        <p:style>
-          <a:lnRef idx="2">
-            <a:schemeClr val="dk1"/>
-          </a:lnRef>
-          <a:fillRef idx="1">
-            <a:schemeClr val="lt1"/>
-          </a:fillRef>
-          <a:effectRef idx="0">
-            <a:schemeClr val="dk1"/>
-          </a:effectRef>
-          <a:fontRef idx="minor">
-            <a:schemeClr val="dk1"/>
-          </a:fontRef>
-        </p:style>
-        <p:txBody>
-          <a:bodyPr rtlCol="0" anchor="ctr"/>
-          <a:lstStyle/>
-          <a:p>
-            <a:pPr algn="ctr"/>
-            <a:r>
-              <a:rPr lang="ko-KR" altLang="en-US" sz="1600" smtClean="0">
-                <a:solidFill>
-                  <a:schemeClr val="tx1"/>
-                </a:solidFill>
-              </a:rPr>
-              <a:t>기본키</a:t>
-            </a:r>
-            <a:endParaRPr lang="ko-KR" altLang="en-US" sz="1600" dirty="0">
-              <a:solidFill>
-                <a:schemeClr val="tx1"/>
-              </a:solidFill>
-            </a:endParaRPr>
-          </a:p>
-        </p:txBody>
-      </p:sp>
-      <p:cxnSp>
-        <p:nvCxnSpPr>
-          <p:cNvPr id="20" name="꺾인 연결선 19"/>
-          <p:cNvCxnSpPr>
-            <a:stCxn id="17" idx="2"/>
-            <a:endCxn id="7" idx="0"/>
-          </p:cNvCxnSpPr>
-          <p:nvPr/>
-        </p:nvCxnSpPr>
-        <p:spPr>
-          <a:xfrm rot="16200000" flipH="1">
-            <a:off x="4245261" y="2246472"/>
-            <a:ext cx="360040" cy="3301161"/>
-          </a:xfrm>
-          <a:prstGeom prst="bentConnector3">
-            <a:avLst/>
-          </a:prstGeom>
-          <a:ln w="19050">
-            <a:solidFill>
-              <a:srgbClr val="C00000"/>
-            </a:solidFill>
-            <a:headEnd type="oval" w="med" len="med"/>
-            <a:tailEnd type="oval" w="med" len="med"/>
-          </a:ln>
-        </p:spPr>
-        <p:style>
-          <a:lnRef idx="1">
-            <a:schemeClr val="accent1"/>
-          </a:lnRef>
-          <a:fillRef idx="0">
-            <a:schemeClr val="accent1"/>
-          </a:fillRef>
-          <a:effectRef idx="0">
-            <a:schemeClr val="accent1"/>
-          </a:effectRef>
-          <a:fontRef idx="minor">
-            <a:schemeClr val="tx1"/>
-          </a:fontRef>
-        </p:style>
-      </p:cxnSp>
-    </p:spTree>
-    <p:extLst>
-      <p:ext uri="{BB962C8B-B14F-4D97-AF65-F5344CB8AC3E}">
-        <p14:creationId xmlns:p14="http://schemas.microsoft.com/office/powerpoint/2010/main" val="4276614404"/>
-      </p:ext>
-    </p:extLst>
-  </p:cSld>
-  <p:clrMapOvr>
-    <a:masterClrMapping/>
-  </p:clrMapOvr>
-  <p:timing>
-    <p:tnLst>
-      <p:par>
-        <p:cTn id="1" dur="indefinite" restart="never" nodeType="tmRoot"/>
-      </p:par>
-    </p:tnLst>
-  </p:timing>
-</p:sld>
-</file>
-
-<file path=ppt/slides/slide26.xml><?xml version="1.0" encoding="utf-8"?>
-<p:sld xmlns:a="http://schemas.openxmlformats.org/drawingml/2006/main" xmlns:r="http://schemas.openxmlformats.org/officeDocument/2006/relationships" xmlns:p="http://schemas.openxmlformats.org/presentationml/2006/main">
-  <p:cSld>
-    <p:spTree>
-      <p:nvGrpSpPr>
-        <p:cNvPr id="1" name=""/>
-        <p:cNvGrpSpPr/>
-        <p:nvPr/>
-      </p:nvGrpSpPr>
-      <p:grpSpPr>
-        <a:xfrm>
-          <a:off x="0" y="0"/>
-          <a:ext cx="0" cy="0"/>
-          <a:chOff x="0" y="0"/>
-          <a:chExt cx="0" cy="0"/>
-        </a:xfrm>
-      </p:grpSpPr>
-      <p:sp>
-        <p:nvSpPr>
-          <p:cNvPr id="2" name="제목 1"/>
-          <p:cNvSpPr>
-            <a:spLocks noGrp="1"/>
-          </p:cNvSpPr>
-          <p:nvPr>
-            <p:ph type="title"/>
-          </p:nvPr>
-        </p:nvSpPr>
-        <p:spPr/>
-        <p:txBody>
-          <a:bodyPr/>
-          <a:lstStyle/>
-          <a:p>
-            <a:r>
-              <a:rPr lang="en-US" altLang="ko-KR" dirty="0" smtClean="0"/>
-              <a:t> </a:t>
-            </a:r>
-            <a:r>
-              <a:rPr lang="ko-KR" altLang="en-US" dirty="0"/>
-              <a:t>관계</a:t>
-            </a:r>
-            <a:r>
-              <a:rPr lang="en-US" altLang="ko-KR" dirty="0"/>
-              <a:t>(</a:t>
-            </a:r>
-            <a:r>
-              <a:rPr lang="en-US" altLang="ko-KR" dirty="0" err="1"/>
-              <a:t>Releation</a:t>
-            </a:r>
-            <a:r>
-              <a:rPr lang="en-US" altLang="ko-KR" dirty="0" smtClean="0"/>
-              <a:t>) - </a:t>
-            </a:r>
-            <a:r>
-              <a:rPr lang="ko-KR" altLang="en-US" dirty="0" err="1" smtClean="0"/>
-              <a:t>외래키</a:t>
-            </a:r>
-            <a:endParaRPr lang="ko-KR" altLang="en-US" dirty="0"/>
-          </a:p>
-        </p:txBody>
-      </p:sp>
-      <p:sp>
-        <p:nvSpPr>
-          <p:cNvPr id="4" name="슬라이드 번호 개체 틀 3"/>
-          <p:cNvSpPr>
-            <a:spLocks noGrp="1"/>
-          </p:cNvSpPr>
-          <p:nvPr>
-            <p:ph type="sldNum" sz="quarter" idx="12"/>
-          </p:nvPr>
-        </p:nvSpPr>
-        <p:spPr/>
-        <p:txBody>
-          <a:bodyPr/>
-          <a:lstStyle/>
-          <a:p>
-            <a:fld id="{1BDE3FE7-3AEA-4B05-AC5A-802D1816ACF0}" type="slidenum">
-              <a:rPr lang="ko-KR" altLang="en-US" smtClean="0"/>
-              <a:t>26</a:t>
-            </a:fld>
-            <a:endParaRPr lang="ko-KR" altLang="en-US"/>
-          </a:p>
-        </p:txBody>
-      </p:sp>
-      <p:sp>
-        <p:nvSpPr>
-          <p:cNvPr id="6" name="TextBox 5"/>
-          <p:cNvSpPr txBox="1"/>
-          <p:nvPr/>
-        </p:nvSpPr>
-        <p:spPr>
-          <a:xfrm>
-            <a:off x="1043608" y="1124744"/>
-            <a:ext cx="5854805" cy="1015663"/>
-          </a:xfrm>
-          <a:prstGeom prst="rect">
-            <a:avLst/>
-          </a:prstGeom>
-          <a:noFill/>
-        </p:spPr>
-        <p:txBody>
-          <a:bodyPr wrap="square" rtlCol="0">
-            <a:spAutoFit/>
-          </a:bodyPr>
-          <a:lstStyle/>
-          <a:p>
-            <a:r>
-              <a:rPr lang="ko-KR" altLang="en-US" sz="2000" b="1" dirty="0" smtClean="0"/>
-              <a:t>부</a:t>
-            </a:r>
-            <a:r>
-              <a:rPr lang="ko-KR" altLang="en-US" sz="2000" b="1" dirty="0"/>
-              <a:t>서</a:t>
-            </a:r>
-            <a:r>
-              <a:rPr lang="ko-KR" altLang="en-US" sz="2000" b="1" dirty="0" smtClean="0"/>
-              <a:t>와 직원 테이블 생성</a:t>
-            </a:r>
-            <a:endParaRPr lang="en-US" altLang="ko-KR" sz="2000" b="1" dirty="0"/>
-          </a:p>
-          <a:p>
-            <a:endParaRPr lang="en-US" altLang="ko-KR" sz="2000" b="1" dirty="0" smtClean="0"/>
-          </a:p>
-          <a:p>
-            <a:r>
-              <a:rPr lang="ko-KR" altLang="en-US" sz="2000" b="1" dirty="0" smtClean="0"/>
-              <a:t> </a:t>
-            </a:r>
-            <a:r>
-              <a:rPr lang="en-US" altLang="ko-KR" b="1" dirty="0" smtClean="0"/>
-              <a:t>- </a:t>
-            </a:r>
-            <a:r>
-              <a:rPr lang="ko-KR" altLang="en-US" b="1" dirty="0" smtClean="0"/>
-              <a:t>사원</a:t>
-            </a:r>
-            <a:r>
-              <a:rPr lang="en-US" altLang="ko-KR" b="1" dirty="0" smtClean="0"/>
-              <a:t>(employee)</a:t>
-            </a:r>
-            <a:r>
-              <a:rPr lang="ko-KR" altLang="en-US" b="1" dirty="0" smtClean="0"/>
-              <a:t> 테이블에 </a:t>
-            </a:r>
-            <a:r>
-              <a:rPr lang="en-US" altLang="ko-KR" b="1" dirty="0" smtClean="0"/>
-              <a:t>Foreign Key </a:t>
-            </a:r>
-            <a:r>
-              <a:rPr lang="ko-KR" altLang="en-US" b="1" dirty="0" smtClean="0"/>
-              <a:t>설정</a:t>
-            </a:r>
-            <a:endParaRPr lang="ko-KR" altLang="en-US" b="1" dirty="0"/>
-          </a:p>
-        </p:txBody>
-      </p:sp>
-      <p:pic>
-        <p:nvPicPr>
-          <p:cNvPr id="7" name="그림 6"/>
-          <p:cNvPicPr>
-            <a:picLocks noChangeAspect="1"/>
-          </p:cNvPicPr>
-          <p:nvPr/>
-        </p:nvPicPr>
-        <p:blipFill>
-          <a:blip r:embed="rId2">
-            <a:extLst>
-              <a:ext uri="{28A0092B-C50C-407E-A947-70E740481C1C}">
-                <a14:useLocalDpi xmlns:a14="http://schemas.microsoft.com/office/drawing/2010/main" val="0"/>
-              </a:ext>
-            </a:extLst>
-          </a:blip>
-          <a:stretch>
-            <a:fillRect/>
-          </a:stretch>
-        </p:blipFill>
-        <p:spPr>
-          <a:xfrm>
-            <a:off x="1312252" y="2335493"/>
-            <a:ext cx="6965284" cy="3734124"/>
-          </a:xfrm>
-          <a:prstGeom prst="rect">
-            <a:avLst/>
-          </a:prstGeom>
-          <a:ln>
-            <a:solidFill>
-              <a:schemeClr val="bg1">
-                <a:lumMod val="85000"/>
-              </a:schemeClr>
-            </a:solidFill>
-          </a:ln>
-        </p:spPr>
-      </p:pic>
-      <p:sp>
-        <p:nvSpPr>
-          <p:cNvPr id="10" name="모서리가 둥근 직사각형 9"/>
-          <p:cNvSpPr/>
-          <p:nvPr/>
-        </p:nvSpPr>
-        <p:spPr>
-          <a:xfrm>
-            <a:off x="1619672" y="5517231"/>
-            <a:ext cx="6860147" cy="394025"/>
-          </a:xfrm>
-          <a:prstGeom prst="roundRect">
-            <a:avLst/>
-          </a:prstGeom>
-          <a:noFill/>
-          <a:ln w="28575">
-            <a:solidFill>
-              <a:srgbClr val="C00000"/>
-            </a:solidFill>
-            <a:prstDash val="sysDash"/>
-          </a:ln>
-        </p:spPr>
-        <p:style>
-          <a:lnRef idx="2">
-            <a:schemeClr val="accent1">
-              <a:shade val="50000"/>
-            </a:schemeClr>
-          </a:lnRef>
-          <a:fillRef idx="1">
-            <a:schemeClr val="accent1"/>
-          </a:fillRef>
-          <a:effectRef idx="0">
-            <a:schemeClr val="accent1"/>
-          </a:effectRef>
-          <a:fontRef idx="minor">
-            <a:schemeClr val="lt1"/>
-          </a:fontRef>
-        </p:style>
-        <p:txBody>
-          <a:bodyPr rtlCol="0" anchor="ctr"/>
-          <a:lstStyle/>
-          <a:p>
-            <a:pPr algn="ctr"/>
-            <a:endParaRPr lang="ko-KR" altLang="en-US" sz="1400"/>
-          </a:p>
-        </p:txBody>
-      </p:sp>
-    </p:spTree>
-    <p:extLst>
-      <p:ext uri="{BB962C8B-B14F-4D97-AF65-F5344CB8AC3E}">
-        <p14:creationId xmlns:p14="http://schemas.microsoft.com/office/powerpoint/2010/main" val="2900271060"/>
-      </p:ext>
-    </p:extLst>
-  </p:cSld>
-  <p:clrMapOvr>
-    <a:masterClrMapping/>
-  </p:clrMapOvr>
-  <p:timing>
-    <p:tnLst>
-      <p:par>
-        <p:cTn id="1" dur="indefinite" restart="never" nodeType="tmRoot">
-          <p:childTnLst>
-            <p:seq concurrent="1" nextAc="seek">
-              <p:cTn id="2" dur="indefinite" nodeType="mainSeq">
-                <p:childTnLst>
-                  <p:par>
-                    <p:cTn id="3" fill="hold">
-                      <p:stCondLst>
-                        <p:cond delay="indefinite"/>
-                      </p:stCondLst>
-                      <p:childTnLst>
-                        <p:par>
-                          <p:cTn id="4" fill="hold">
-                            <p:stCondLst>
-                              <p:cond delay="0"/>
-                            </p:stCondLst>
-                            <p:childTnLst>
-                              <p:par>
-                                <p:cTn id="5" presetID="32" presetClass="emph" presetSubtype="0" fill="hold" grpId="0" nodeType="clickEffect">
-                                  <p:stCondLst>
-                                    <p:cond delay="0"/>
-                                  </p:stCondLst>
-                                  <p:childTnLst>
-                                    <p:animRot by="120000">
-                                      <p:cBhvr>
-                                        <p:cTn id="6" dur="100" fill="hold">
-                                          <p:stCondLst>
-                                            <p:cond delay="0"/>
-                                          </p:stCondLst>
-                                        </p:cTn>
-                                        <p:tgtEl>
-                                          <p:spTgt spid="10"/>
-                                        </p:tgtEl>
-                                        <p:attrNameLst>
-                                          <p:attrName>r</p:attrName>
-                                        </p:attrNameLst>
-                                      </p:cBhvr>
-                                    </p:animRot>
-                                    <p:animRot by="-240000">
-                                      <p:cBhvr>
-                                        <p:cTn id="7" dur="200" fill="hold">
-                                          <p:stCondLst>
-                                            <p:cond delay="200"/>
-                                          </p:stCondLst>
-                                        </p:cTn>
-                                        <p:tgtEl>
-                                          <p:spTgt spid="10"/>
-                                        </p:tgtEl>
-                                        <p:attrNameLst>
-                                          <p:attrName>r</p:attrName>
-                                        </p:attrNameLst>
-                                      </p:cBhvr>
-                                    </p:animRot>
-                                    <p:animRot by="240000">
-                                      <p:cBhvr>
-                                        <p:cTn id="8" dur="200" fill="hold">
-                                          <p:stCondLst>
-                                            <p:cond delay="400"/>
-                                          </p:stCondLst>
-                                        </p:cTn>
-                                        <p:tgtEl>
-                                          <p:spTgt spid="10"/>
-                                        </p:tgtEl>
-                                        <p:attrNameLst>
-                                          <p:attrName>r</p:attrName>
-                                        </p:attrNameLst>
-                                      </p:cBhvr>
-                                    </p:animRot>
-                                    <p:animRot by="-240000">
-                                      <p:cBhvr>
-                                        <p:cTn id="9" dur="200" fill="hold">
-                                          <p:stCondLst>
-                                            <p:cond delay="600"/>
-                                          </p:stCondLst>
-                                        </p:cTn>
-                                        <p:tgtEl>
-                                          <p:spTgt spid="10"/>
-                                        </p:tgtEl>
-                                        <p:attrNameLst>
-                                          <p:attrName>r</p:attrName>
-                                        </p:attrNameLst>
-                                      </p:cBhvr>
-                                    </p:animRot>
-                                    <p:animRot by="120000">
-                                      <p:cBhvr>
-                                        <p:cTn id="10" dur="200" fill="hold">
-                                          <p:stCondLst>
-                                            <p:cond delay="800"/>
-                                          </p:stCondLst>
-                                        </p:cTn>
-                                        <p:tgtEl>
-                                          <p:spTgt spid="10"/>
-                                        </p:tgtEl>
-                                        <p:attrNameLst>
-                                          <p:attrName>r</p:attrName>
-                                        </p:attrNameLst>
-                                      </p:cBhvr>
-                                    </p:animRot>
-                                  </p:childTnLst>
-                                </p:cTn>
-                              </p:par>
-                            </p:childTnLst>
-                          </p:cTn>
-                        </p:par>
-                      </p:childTnLst>
-                    </p:cTn>
-                  </p:par>
-                </p:childTnLst>
-              </p:cTn>
-              <p:prevCondLst>
-                <p:cond evt="onPrev" delay="0">
-                  <p:tgtEl>
-                    <p:sldTgt/>
-                  </p:tgtEl>
-                </p:cond>
-              </p:prevCondLst>
-              <p:nextCondLst>
-                <p:cond evt="onNext" delay="0">
-                  <p:tgtEl>
-                    <p:sldTgt/>
-                  </p:tgtEl>
-                </p:cond>
-              </p:nextCondLst>
-            </p:seq>
-          </p:childTnLst>
-        </p:cTn>
-      </p:par>
-    </p:tnLst>
-    <p:bldLst>
-      <p:bldP spid="10" grpId="0" animBg="1"/>
-    </p:bldLst>
-  </p:timing>
-</p:sld>
-</file>
-
-<file path=ppt/slides/slide27.xml><?xml version="1.0" encoding="utf-8"?>
-<p:sld xmlns:a="http://schemas.openxmlformats.org/drawingml/2006/main" xmlns:r="http://schemas.openxmlformats.org/officeDocument/2006/relationships" xmlns:p="http://schemas.openxmlformats.org/presentationml/2006/main">
-  <p:cSld>
-    <p:spTree>
-      <p:nvGrpSpPr>
-        <p:cNvPr id="1" name=""/>
-        <p:cNvGrpSpPr/>
-        <p:nvPr/>
-      </p:nvGrpSpPr>
-      <p:grpSpPr>
-        <a:xfrm>
-          <a:off x="0" y="0"/>
-          <a:ext cx="0" cy="0"/>
-          <a:chOff x="0" y="0"/>
-          <a:chExt cx="0" cy="0"/>
-        </a:xfrm>
-      </p:grpSpPr>
-      <p:sp>
-        <p:nvSpPr>
-          <p:cNvPr id="2" name="제목 1"/>
-          <p:cNvSpPr>
-            <a:spLocks noGrp="1"/>
-          </p:cNvSpPr>
-          <p:nvPr>
-            <p:ph type="title"/>
-          </p:nvPr>
-        </p:nvSpPr>
-        <p:spPr/>
-        <p:txBody>
-          <a:bodyPr>
-            <a:normAutofit fontScale="90000"/>
-          </a:bodyPr>
-          <a:lstStyle/>
-          <a:p>
-            <a:r>
-              <a:rPr lang="en-US" altLang="ko-KR" dirty="0" smtClean="0"/>
-              <a:t> </a:t>
-            </a:r>
-            <a:r>
-              <a:rPr lang="ko-KR" altLang="en-US" dirty="0"/>
-              <a:t>관계</a:t>
-            </a:r>
-            <a:r>
-              <a:rPr lang="en-US" altLang="ko-KR" dirty="0"/>
-              <a:t>(</a:t>
-            </a:r>
-            <a:r>
-              <a:rPr lang="en-US" altLang="ko-KR" dirty="0" err="1"/>
-              <a:t>Releation</a:t>
-            </a:r>
-            <a:r>
-              <a:rPr lang="en-US" altLang="ko-KR" dirty="0"/>
-              <a:t>) </a:t>
-            </a:r>
-            <a:r>
-              <a:rPr lang="en-US" altLang="ko-KR" dirty="0" smtClean="0"/>
-              <a:t>– </a:t>
-            </a:r>
-            <a:r>
-              <a:rPr lang="ko-KR" altLang="en-US" dirty="0" err="1" smtClean="0"/>
-              <a:t>외래키</a:t>
-            </a:r>
-            <a:r>
-              <a:rPr lang="ko-KR" altLang="en-US" dirty="0" smtClean="0"/>
-              <a:t> 제약</a:t>
-            </a:r>
-            <a:endParaRPr lang="ko-KR" altLang="en-US" dirty="0"/>
-          </a:p>
-        </p:txBody>
-      </p:sp>
-      <p:sp>
-        <p:nvSpPr>
-          <p:cNvPr id="4" name="슬라이드 번호 개체 틀 3"/>
-          <p:cNvSpPr>
-            <a:spLocks noGrp="1"/>
-          </p:cNvSpPr>
-          <p:nvPr>
-            <p:ph type="sldNum" sz="quarter" idx="12"/>
-          </p:nvPr>
-        </p:nvSpPr>
-        <p:spPr/>
-        <p:txBody>
-          <a:bodyPr/>
-          <a:lstStyle/>
-          <a:p>
-            <a:fld id="{1BDE3FE7-3AEA-4B05-AC5A-802D1816ACF0}" type="slidenum">
-              <a:rPr lang="ko-KR" altLang="en-US" smtClean="0"/>
-              <a:t>27</a:t>
-            </a:fld>
-            <a:endParaRPr lang="ko-KR" altLang="en-US"/>
-          </a:p>
-        </p:txBody>
-      </p:sp>
-      <p:sp>
-        <p:nvSpPr>
-          <p:cNvPr id="6" name="TextBox 5"/>
-          <p:cNvSpPr txBox="1"/>
-          <p:nvPr/>
-        </p:nvSpPr>
-        <p:spPr>
-          <a:xfrm>
-            <a:off x="971600" y="1196752"/>
-            <a:ext cx="5472608" cy="400110"/>
-          </a:xfrm>
-          <a:prstGeom prst="rect">
-            <a:avLst/>
-          </a:prstGeom>
-          <a:noFill/>
-        </p:spPr>
-        <p:txBody>
-          <a:bodyPr wrap="square" rtlCol="0">
-            <a:spAutoFit/>
-          </a:bodyPr>
-          <a:lstStyle/>
-          <a:p>
-            <a:r>
-              <a:rPr lang="ko-KR" altLang="en-US" sz="2000" b="1" dirty="0" smtClean="0"/>
-              <a:t>부</a:t>
-            </a:r>
-            <a:r>
-              <a:rPr lang="ko-KR" altLang="en-US" sz="2000" b="1" dirty="0"/>
-              <a:t>서</a:t>
-            </a:r>
-            <a:r>
-              <a:rPr lang="ko-KR" altLang="en-US" sz="2000" b="1" dirty="0" smtClean="0"/>
-              <a:t>와 직원 자료 추가</a:t>
-            </a:r>
-            <a:endParaRPr lang="ko-KR" altLang="en-US" sz="2000" b="1" dirty="0"/>
-          </a:p>
-        </p:txBody>
-      </p:sp>
-      <p:pic>
-        <p:nvPicPr>
-          <p:cNvPr id="3" name="그림 2"/>
-          <p:cNvPicPr>
-            <a:picLocks noChangeAspect="1"/>
-          </p:cNvPicPr>
-          <p:nvPr/>
-        </p:nvPicPr>
-        <p:blipFill>
-          <a:blip r:embed="rId2">
-            <a:extLst>
-              <a:ext uri="{28A0092B-C50C-407E-A947-70E740481C1C}">
-                <a14:useLocalDpi xmlns:a14="http://schemas.microsoft.com/office/drawing/2010/main" val="0"/>
-              </a:ext>
-            </a:extLst>
-          </a:blip>
-          <a:stretch>
-            <a:fillRect/>
-          </a:stretch>
-        </p:blipFill>
-        <p:spPr>
-          <a:xfrm>
-            <a:off x="1187624" y="1844824"/>
-            <a:ext cx="6386114" cy="2187130"/>
-          </a:xfrm>
-          <a:prstGeom prst="rect">
-            <a:avLst/>
-          </a:prstGeom>
-          <a:ln>
-            <a:solidFill>
-              <a:schemeClr val="bg1">
-                <a:lumMod val="85000"/>
-              </a:schemeClr>
-            </a:solidFill>
-          </a:ln>
-        </p:spPr>
-      </p:pic>
-      <p:pic>
-        <p:nvPicPr>
-          <p:cNvPr id="12" name="그림 11"/>
-          <p:cNvPicPr>
-            <a:picLocks noChangeAspect="1"/>
-          </p:cNvPicPr>
-          <p:nvPr/>
-        </p:nvPicPr>
-        <p:blipFill>
-          <a:blip r:embed="rId3">
-            <a:extLst>
-              <a:ext uri="{28A0092B-C50C-407E-A947-70E740481C1C}">
-                <a14:useLocalDpi xmlns:a14="http://schemas.microsoft.com/office/drawing/2010/main" val="0"/>
-              </a:ext>
-            </a:extLst>
-          </a:blip>
-          <a:stretch>
-            <a:fillRect/>
-          </a:stretch>
-        </p:blipFill>
-        <p:spPr>
-          <a:xfrm>
-            <a:off x="1187625" y="4293096"/>
-            <a:ext cx="6386114" cy="1032648"/>
-          </a:xfrm>
-          <a:prstGeom prst="rect">
-            <a:avLst/>
-          </a:prstGeom>
-          <a:ln>
-            <a:solidFill>
-              <a:schemeClr val="bg1">
-                <a:lumMod val="85000"/>
-              </a:schemeClr>
-            </a:solidFill>
-          </a:ln>
-        </p:spPr>
-      </p:pic>
-    </p:spTree>
-    <p:extLst>
-      <p:ext uri="{BB962C8B-B14F-4D97-AF65-F5344CB8AC3E}">
-        <p14:creationId xmlns:p14="http://schemas.microsoft.com/office/powerpoint/2010/main" val="3238638085"/>
-      </p:ext>
-    </p:extLst>
-  </p:cSld>
-  <p:clrMapOvr>
-    <a:masterClrMapping/>
-  </p:clrMapOvr>
-  <p:timing>
-    <p:tnLst>
-      <p:par>
-        <p:cTn id="1" dur="indefinite" restart="never" nodeType="tmRoot"/>
-      </p:par>
-    </p:tnLst>
-  </p:timing>
-</p:sld>
-</file>
-
-<file path=ppt/slides/slide28.xml><?xml version="1.0" encoding="utf-8"?>
-<p:sld xmlns:a="http://schemas.openxmlformats.org/drawingml/2006/main" xmlns:r="http://schemas.openxmlformats.org/officeDocument/2006/relationships" xmlns:p="http://schemas.openxmlformats.org/presentationml/2006/main">
-  <p:cSld>
-    <p:spTree>
-      <p:nvGrpSpPr>
-        <p:cNvPr id="1" name=""/>
-        <p:cNvGrpSpPr/>
-        <p:nvPr/>
-      </p:nvGrpSpPr>
-      <p:grpSpPr>
-        <a:xfrm>
-          <a:off x="0" y="0"/>
-          <a:ext cx="0" cy="0"/>
-          <a:chOff x="0" y="0"/>
-          <a:chExt cx="0" cy="0"/>
-        </a:xfrm>
-      </p:grpSpPr>
-      <p:sp>
-        <p:nvSpPr>
-          <p:cNvPr id="2" name="제목 1"/>
-          <p:cNvSpPr>
-            <a:spLocks noGrp="1"/>
-          </p:cNvSpPr>
-          <p:nvPr>
-            <p:ph type="title"/>
-          </p:nvPr>
-        </p:nvSpPr>
-        <p:spPr/>
-        <p:txBody>
-          <a:bodyPr>
-            <a:normAutofit fontScale="90000"/>
-          </a:bodyPr>
-          <a:lstStyle/>
-          <a:p>
-            <a:r>
-              <a:rPr lang="en-US" altLang="ko-KR" dirty="0" smtClean="0"/>
-              <a:t> </a:t>
-            </a:r>
-            <a:r>
-              <a:rPr lang="ko-KR" altLang="en-US" dirty="0"/>
-              <a:t>관계</a:t>
-            </a:r>
-            <a:r>
-              <a:rPr lang="en-US" altLang="ko-KR" dirty="0"/>
-              <a:t>(</a:t>
-            </a:r>
-            <a:r>
-              <a:rPr lang="en-US" altLang="ko-KR" dirty="0" err="1"/>
-              <a:t>Releation</a:t>
-            </a:r>
-            <a:r>
-              <a:rPr lang="en-US" altLang="ko-KR" dirty="0"/>
-              <a:t>) </a:t>
-            </a:r>
-            <a:r>
-              <a:rPr lang="en-US" altLang="ko-KR" dirty="0" smtClean="0"/>
-              <a:t>– </a:t>
-            </a:r>
-            <a:r>
-              <a:rPr lang="ko-KR" altLang="en-US" dirty="0" err="1" smtClean="0"/>
-              <a:t>외래키</a:t>
-            </a:r>
-            <a:r>
-              <a:rPr lang="ko-KR" altLang="en-US" dirty="0" smtClean="0"/>
-              <a:t> 제약</a:t>
-            </a:r>
-            <a:endParaRPr lang="ko-KR" altLang="en-US" dirty="0"/>
-          </a:p>
-        </p:txBody>
-      </p:sp>
-      <p:sp>
-        <p:nvSpPr>
-          <p:cNvPr id="4" name="슬라이드 번호 개체 틀 3"/>
-          <p:cNvSpPr>
-            <a:spLocks noGrp="1"/>
-          </p:cNvSpPr>
-          <p:nvPr>
-            <p:ph type="sldNum" sz="quarter" idx="12"/>
-          </p:nvPr>
-        </p:nvSpPr>
-        <p:spPr/>
-        <p:txBody>
-          <a:bodyPr/>
-          <a:lstStyle/>
-          <a:p>
-            <a:fld id="{1BDE3FE7-3AEA-4B05-AC5A-802D1816ACF0}" type="slidenum">
-              <a:rPr lang="ko-KR" altLang="en-US" smtClean="0"/>
-              <a:t>28</a:t>
-            </a:fld>
-            <a:endParaRPr lang="ko-KR" altLang="en-US"/>
-          </a:p>
-        </p:txBody>
-      </p:sp>
-      <p:sp>
-        <p:nvSpPr>
-          <p:cNvPr id="6" name="TextBox 5"/>
-          <p:cNvSpPr txBox="1"/>
-          <p:nvPr/>
-        </p:nvSpPr>
-        <p:spPr>
-          <a:xfrm>
-            <a:off x="971600" y="1124744"/>
-            <a:ext cx="5472608" cy="400110"/>
-          </a:xfrm>
-          <a:prstGeom prst="rect">
-            <a:avLst/>
-          </a:prstGeom>
-          <a:noFill/>
-        </p:spPr>
-        <p:txBody>
-          <a:bodyPr wrap="square" rtlCol="0">
-            <a:spAutoFit/>
-          </a:bodyPr>
-          <a:lstStyle/>
-          <a:p>
-            <a:r>
-              <a:rPr lang="ko-KR" altLang="en-US" sz="2000" b="1" dirty="0" smtClean="0"/>
-              <a:t>부서 자료 삭제</a:t>
-            </a:r>
-            <a:endParaRPr lang="ko-KR" altLang="en-US" sz="2000" b="1" dirty="0"/>
-          </a:p>
-        </p:txBody>
-      </p:sp>
-      <p:pic>
-        <p:nvPicPr>
-          <p:cNvPr id="3" name="그림 2"/>
-          <p:cNvPicPr>
-            <a:picLocks noChangeAspect="1"/>
-          </p:cNvPicPr>
-          <p:nvPr/>
-        </p:nvPicPr>
-        <p:blipFill>
-          <a:blip r:embed="rId2">
-            <a:extLst>
-              <a:ext uri="{28A0092B-C50C-407E-A947-70E740481C1C}">
-                <a14:useLocalDpi xmlns:a14="http://schemas.microsoft.com/office/drawing/2010/main" val="0"/>
-              </a:ext>
-            </a:extLst>
-          </a:blip>
-          <a:stretch>
-            <a:fillRect/>
-          </a:stretch>
-        </p:blipFill>
-        <p:spPr>
-          <a:xfrm>
-            <a:off x="1043608" y="1628800"/>
-            <a:ext cx="7130758" cy="672046"/>
-          </a:xfrm>
-          <a:prstGeom prst="rect">
-            <a:avLst/>
-          </a:prstGeom>
-          <a:ln>
-            <a:solidFill>
-              <a:schemeClr val="bg1">
-                <a:lumMod val="85000"/>
-              </a:schemeClr>
-            </a:solidFill>
-          </a:ln>
-        </p:spPr>
-      </p:pic>
-      <p:pic>
-        <p:nvPicPr>
-          <p:cNvPr id="5" name="그림 4"/>
-          <p:cNvPicPr>
-            <a:picLocks noChangeAspect="1"/>
-          </p:cNvPicPr>
-          <p:nvPr/>
-        </p:nvPicPr>
-        <p:blipFill>
-          <a:blip r:embed="rId3">
-            <a:extLst>
-              <a:ext uri="{28A0092B-C50C-407E-A947-70E740481C1C}">
-                <a14:useLocalDpi xmlns:a14="http://schemas.microsoft.com/office/drawing/2010/main" val="0"/>
-              </a:ext>
-            </a:extLst>
-          </a:blip>
-          <a:stretch>
-            <a:fillRect/>
-          </a:stretch>
-        </p:blipFill>
-        <p:spPr>
-          <a:xfrm>
-            <a:off x="1057401" y="2563078"/>
-            <a:ext cx="7130758" cy="1078376"/>
-          </a:xfrm>
-          <a:prstGeom prst="rect">
-            <a:avLst/>
-          </a:prstGeom>
-          <a:ln>
-            <a:solidFill>
-              <a:schemeClr val="bg1">
-                <a:lumMod val="85000"/>
-              </a:schemeClr>
-            </a:solidFill>
-          </a:ln>
-        </p:spPr>
-      </p:pic>
-      <p:sp>
-        <p:nvSpPr>
-          <p:cNvPr id="12" name="TextBox 11"/>
-          <p:cNvSpPr txBox="1"/>
-          <p:nvPr/>
-        </p:nvSpPr>
-        <p:spPr>
-          <a:xfrm>
-            <a:off x="971600" y="3933055"/>
-            <a:ext cx="3096344" cy="369332"/>
-          </a:xfrm>
-          <a:prstGeom prst="rect">
-            <a:avLst/>
-          </a:prstGeom>
-          <a:noFill/>
-        </p:spPr>
-        <p:txBody>
-          <a:bodyPr wrap="square" rtlCol="0">
-            <a:spAutoFit/>
-          </a:bodyPr>
-          <a:lstStyle/>
-          <a:p>
-            <a:r>
-              <a:rPr lang="ko-KR" altLang="en-US" b="1" dirty="0" err="1" smtClean="0"/>
-              <a:t>외래키</a:t>
-            </a:r>
-            <a:r>
-              <a:rPr lang="ko-KR" altLang="en-US" b="1" dirty="0" smtClean="0"/>
-              <a:t> 제약 조건 삭제</a:t>
-            </a:r>
-            <a:endParaRPr lang="ko-KR" altLang="en-US" b="1" dirty="0"/>
-          </a:p>
-        </p:txBody>
-      </p:sp>
-      <p:pic>
-        <p:nvPicPr>
-          <p:cNvPr id="8" name="그림 7"/>
-          <p:cNvPicPr>
-            <a:picLocks noChangeAspect="1"/>
-          </p:cNvPicPr>
-          <p:nvPr/>
-        </p:nvPicPr>
-        <p:blipFill>
-          <a:blip r:embed="rId4">
-            <a:extLst>
-              <a:ext uri="{28A0092B-C50C-407E-A947-70E740481C1C}">
-                <a14:useLocalDpi xmlns:a14="http://schemas.microsoft.com/office/drawing/2010/main" val="0"/>
-              </a:ext>
-            </a:extLst>
-          </a:blip>
-          <a:stretch>
-            <a:fillRect/>
-          </a:stretch>
-        </p:blipFill>
-        <p:spPr>
-          <a:xfrm>
-            <a:off x="1057401" y="4365103"/>
-            <a:ext cx="4480949" cy="472481"/>
-          </a:xfrm>
-          <a:prstGeom prst="rect">
-            <a:avLst/>
-          </a:prstGeom>
-          <a:ln>
-            <a:solidFill>
-              <a:schemeClr val="bg1">
-                <a:lumMod val="85000"/>
-              </a:schemeClr>
-            </a:solidFill>
-          </a:ln>
-        </p:spPr>
-      </p:pic>
-      <p:sp>
-        <p:nvSpPr>
-          <p:cNvPr id="13" name="TextBox 12"/>
-          <p:cNvSpPr txBox="1"/>
-          <p:nvPr/>
-        </p:nvSpPr>
-        <p:spPr>
-          <a:xfrm>
-            <a:off x="971600" y="5013176"/>
-            <a:ext cx="3096344" cy="369332"/>
-          </a:xfrm>
-          <a:prstGeom prst="rect">
-            <a:avLst/>
-          </a:prstGeom>
-          <a:noFill/>
-        </p:spPr>
-        <p:txBody>
-          <a:bodyPr wrap="square" rtlCol="0">
-            <a:spAutoFit/>
-          </a:bodyPr>
-          <a:lstStyle/>
-          <a:p>
-            <a:r>
-              <a:rPr lang="ko-KR" altLang="en-US" b="1" dirty="0" smtClean="0"/>
-              <a:t>테이블 삭제</a:t>
-            </a:r>
-            <a:endParaRPr lang="ko-KR" altLang="en-US" b="1" dirty="0"/>
-          </a:p>
-        </p:txBody>
-      </p:sp>
-      <p:pic>
-        <p:nvPicPr>
-          <p:cNvPr id="9" name="그림 8"/>
-          <p:cNvPicPr>
-            <a:picLocks noChangeAspect="1"/>
-          </p:cNvPicPr>
-          <p:nvPr/>
-        </p:nvPicPr>
-        <p:blipFill>
-          <a:blip r:embed="rId5">
-            <a:extLst>
-              <a:ext uri="{28A0092B-C50C-407E-A947-70E740481C1C}">
-                <a14:useLocalDpi xmlns:a14="http://schemas.microsoft.com/office/drawing/2010/main" val="0"/>
-              </a:ext>
-            </a:extLst>
-          </a:blip>
-          <a:stretch>
-            <a:fillRect/>
-          </a:stretch>
-        </p:blipFill>
-        <p:spPr>
-          <a:xfrm>
-            <a:off x="1030221" y="5445224"/>
-            <a:ext cx="4508129" cy="650658"/>
-          </a:xfrm>
-          <a:prstGeom prst="rect">
-            <a:avLst/>
-          </a:prstGeom>
-          <a:ln>
-            <a:solidFill>
-              <a:schemeClr val="bg1">
-                <a:lumMod val="85000"/>
-              </a:schemeClr>
-            </a:solidFill>
-          </a:ln>
-        </p:spPr>
-      </p:pic>
-    </p:spTree>
-    <p:extLst>
-      <p:ext uri="{BB962C8B-B14F-4D97-AF65-F5344CB8AC3E}">
-        <p14:creationId xmlns:p14="http://schemas.microsoft.com/office/powerpoint/2010/main" val="2102848525"/>
       </p:ext>
     </p:extLst>
   </p:cSld>
